--- a/lectures/lecture_9/Lecture_9_Model_Fitting_Dealing_With_Uncertainty.pptx
+++ b/lectures/lecture_9/Lecture_9_Model_Fitting_Dealing_With_Uncertainty.pptx
@@ -5,30 +5,31 @@
     <p:sldMasterId id="2147483648" r:id="rId1"/>
   </p:sldMasterIdLst>
   <p:notesMasterIdLst>
-    <p:notesMasterId r:id="rId20"/>
+    <p:notesMasterId r:id="rId21"/>
   </p:notesMasterIdLst>
   <p:handoutMasterIdLst>
-    <p:handoutMasterId r:id="rId21"/>
+    <p:handoutMasterId r:id="rId22"/>
   </p:handoutMasterIdLst>
   <p:sldIdLst>
     <p:sldId id="347" r:id="rId2"/>
-    <p:sldId id="265" r:id="rId3"/>
-    <p:sldId id="258" r:id="rId4"/>
-    <p:sldId id="370" r:id="rId5"/>
-    <p:sldId id="372" r:id="rId6"/>
-    <p:sldId id="373" r:id="rId7"/>
-    <p:sldId id="377" r:id="rId8"/>
-    <p:sldId id="352" r:id="rId9"/>
-    <p:sldId id="378" r:id="rId10"/>
-    <p:sldId id="350" r:id="rId11"/>
-    <p:sldId id="379" r:id="rId12"/>
-    <p:sldId id="376" r:id="rId13"/>
-    <p:sldId id="381" r:id="rId14"/>
-    <p:sldId id="364" r:id="rId15"/>
-    <p:sldId id="365" r:id="rId16"/>
-    <p:sldId id="367" r:id="rId17"/>
-    <p:sldId id="366" r:id="rId18"/>
-    <p:sldId id="382" r:id="rId19"/>
+    <p:sldId id="363" r:id="rId3"/>
+    <p:sldId id="265" r:id="rId4"/>
+    <p:sldId id="258" r:id="rId5"/>
+    <p:sldId id="370" r:id="rId6"/>
+    <p:sldId id="372" r:id="rId7"/>
+    <p:sldId id="373" r:id="rId8"/>
+    <p:sldId id="377" r:id="rId9"/>
+    <p:sldId id="352" r:id="rId10"/>
+    <p:sldId id="378" r:id="rId11"/>
+    <p:sldId id="350" r:id="rId12"/>
+    <p:sldId id="379" r:id="rId13"/>
+    <p:sldId id="376" r:id="rId14"/>
+    <p:sldId id="381" r:id="rId15"/>
+    <p:sldId id="364" r:id="rId16"/>
+    <p:sldId id="365" r:id="rId17"/>
+    <p:sldId id="367" r:id="rId18"/>
+    <p:sldId id="366" r:id="rId19"/>
+    <p:sldId id="382" r:id="rId20"/>
   </p:sldIdLst>
   <p:sldSz cx="9144000" cy="6858000" type="screen4x3"/>
   <p:notesSz cx="6858000" cy="9144000"/>
@@ -163,6 +164,7 @@
         <p14:section name="Default Section" id="{757542DE-3A9F-ED4D-B4EC-693CDE303B5B}">
           <p14:sldIdLst>
             <p14:sldId id="347"/>
+            <p14:sldId id="363"/>
             <p14:sldId id="265"/>
             <p14:sldId id="258"/>
             <p14:sldId id="370"/>
@@ -930,6 +932,96 @@
     <p:extLst>
       <p:ext uri="{BB962C8B-B14F-4D97-AF65-F5344CB8AC3E}">
         <p14:creationId xmlns:p14="http://schemas.microsoft.com/office/powerpoint/2010/main" val="256389567"/>
+      </p:ext>
+    </p:extLst>
+  </p:cSld>
+  <p:clrMapOvr>
+    <a:masterClrMapping/>
+  </p:clrMapOvr>
+</p:notes>
+</file>
+
+<file path=ppt/notesSlides/notesSlide2.xml><?xml version="1.0" encoding="utf-8"?>
+<p:notes xmlns:a="http://schemas.openxmlformats.org/drawingml/2006/main" xmlns:r="http://schemas.openxmlformats.org/officeDocument/2006/relationships" xmlns:p="http://schemas.openxmlformats.org/presentationml/2006/main">
+  <p:cSld>
+    <p:spTree>
+      <p:nvGrpSpPr>
+        <p:cNvPr id="1" name=""/>
+        <p:cNvGrpSpPr/>
+        <p:nvPr/>
+      </p:nvGrpSpPr>
+      <p:grpSpPr>
+        <a:xfrm>
+          <a:off x="0" y="0"/>
+          <a:ext cx="0" cy="0"/>
+          <a:chOff x="0" y="0"/>
+          <a:chExt cx="0" cy="0"/>
+        </a:xfrm>
+      </p:grpSpPr>
+      <p:sp>
+        <p:nvSpPr>
+          <p:cNvPr id="2" name="Slide Image Placeholder 1"/>
+          <p:cNvSpPr>
+            <a:spLocks noGrp="1" noRot="1" noChangeAspect="1"/>
+          </p:cNvSpPr>
+          <p:nvPr>
+            <p:ph type="sldImg"/>
+          </p:nvPr>
+        </p:nvSpPr>
+        <p:spPr/>
+      </p:sp>
+      <p:sp>
+        <p:nvSpPr>
+          <p:cNvPr id="3" name="Notes Placeholder 2"/>
+          <p:cNvSpPr>
+            <a:spLocks noGrp="1"/>
+          </p:cNvSpPr>
+          <p:nvPr>
+            <p:ph type="body" idx="1"/>
+          </p:nvPr>
+        </p:nvSpPr>
+        <p:spPr/>
+        <p:txBody>
+          <a:bodyPr/>
+          <a:lstStyle/>
+          <a:p>
+            <a:endParaRPr lang="en-US" dirty="0"/>
+          </a:p>
+        </p:txBody>
+      </p:sp>
+      <p:sp>
+        <p:nvSpPr>
+          <p:cNvPr id="4" name="Slide Number Placeholder 3"/>
+          <p:cNvSpPr>
+            <a:spLocks noGrp="1"/>
+          </p:cNvSpPr>
+          <p:nvPr>
+            <p:ph type="sldNum" sz="quarter" idx="5"/>
+          </p:nvPr>
+        </p:nvSpPr>
+        <p:spPr/>
+        <p:txBody>
+          <a:bodyPr/>
+          <a:lstStyle/>
+          <a:p>
+            <a:pPr>
+              <a:defRPr/>
+            </a:pPr>
+            <a:fld id="{1E3608CA-DBCA-4E8F-8DAB-6E1AFAF19782}" type="slidenum">
+              <a:rPr lang="en-US" altLang="x-none" smtClean="0"/>
+              <a:pPr>
+                <a:defRPr/>
+              </a:pPr>
+              <a:t>9</a:t>
+            </a:fld>
+            <a:endParaRPr lang="en-US" altLang="x-none"/>
+          </a:p>
+        </p:txBody>
+      </p:sp>
+    </p:spTree>
+    <p:extLst>
+      <p:ext uri="{BB962C8B-B14F-4D97-AF65-F5344CB8AC3E}">
+        <p14:creationId xmlns:p14="http://schemas.microsoft.com/office/powerpoint/2010/main" val="1787160627"/>
       </p:ext>
     </p:extLst>
   </p:cSld>
@@ -5133,6 +5225,1313 @@
           <p:cNvPr id="2" name="Title 1">
             <a:extLst>
               <a:ext uri="{FF2B5EF4-FFF2-40B4-BE49-F238E27FC236}">
+                <a16:creationId xmlns:a16="http://schemas.microsoft.com/office/drawing/2014/main" id="{59F7161F-E395-F246-AEB5-727A7FF0601E}"/>
+              </a:ext>
+            </a:extLst>
+          </p:cNvPr>
+          <p:cNvSpPr>
+            <a:spLocks noGrp="1"/>
+          </p:cNvSpPr>
+          <p:nvPr>
+            <p:ph type="title"/>
+          </p:nvPr>
+        </p:nvSpPr>
+        <p:spPr/>
+        <p:txBody>
+          <a:bodyPr/>
+          <a:lstStyle/>
+          <a:p>
+            <a:r>
+              <a:rPr lang="en-US" dirty="0"/>
+              <a:t>Choosing Folds</a:t>
+            </a:r>
+            <a:br>
+              <a:rPr lang="en-US" dirty="0"/>
+            </a:br>
+            <a:r>
+              <a:rPr lang="en-US" i="1" dirty="0">
+                <a:solidFill>
+                  <a:srgbClr val="FF0000"/>
+                </a:solidFill>
+              </a:rPr>
+              <a:t>Choose Wisely</a:t>
+            </a:r>
+          </a:p>
+        </p:txBody>
+      </p:sp>
+      <p:sp>
+        <p:nvSpPr>
+          <p:cNvPr id="3" name="Slide Number Placeholder 2">
+            <a:extLst>
+              <a:ext uri="{FF2B5EF4-FFF2-40B4-BE49-F238E27FC236}">
+                <a16:creationId xmlns:a16="http://schemas.microsoft.com/office/drawing/2014/main" id="{A11E5270-6334-614A-890C-DE408B75222D}"/>
+              </a:ext>
+            </a:extLst>
+          </p:cNvPr>
+          <p:cNvSpPr>
+            <a:spLocks noGrp="1"/>
+          </p:cNvSpPr>
+          <p:nvPr>
+            <p:ph type="sldNum" sz="quarter" idx="11"/>
+          </p:nvPr>
+        </p:nvSpPr>
+        <p:spPr/>
+        <p:txBody>
+          <a:bodyPr/>
+          <a:lstStyle/>
+          <a:p>
+            <a:pPr>
+              <a:defRPr/>
+            </a:pPr>
+            <a:fld id="{2E4304A7-0FB2-4094-BC1E-DB17183AD0C1}" type="slidenum">
+              <a:rPr lang="en-US" altLang="x-none" smtClean="0"/>
+              <a:pPr>
+                <a:defRPr/>
+              </a:pPr>
+              <a:t>10</a:t>
+            </a:fld>
+            <a:endParaRPr lang="en-US" altLang="x-none"/>
+          </a:p>
+        </p:txBody>
+      </p:sp>
+      <p:pic>
+        <p:nvPicPr>
+          <p:cNvPr id="5" name="Picture 4">
+            <a:extLst>
+              <a:ext uri="{FF2B5EF4-FFF2-40B4-BE49-F238E27FC236}">
+                <a16:creationId xmlns:a16="http://schemas.microsoft.com/office/drawing/2014/main" id="{D1C09634-65DA-234B-8959-07BCB546D512}"/>
+              </a:ext>
+            </a:extLst>
+          </p:cNvPr>
+          <p:cNvPicPr>
+            <a:picLocks noChangeAspect="1"/>
+          </p:cNvPicPr>
+          <p:nvPr/>
+        </p:nvPicPr>
+        <p:blipFill>
+          <a:blip r:embed="rId2"/>
+          <a:stretch>
+            <a:fillRect/>
+          </a:stretch>
+        </p:blipFill>
+        <p:spPr>
+          <a:xfrm>
+            <a:off x="656072" y="1828800"/>
+            <a:ext cx="3902676" cy="2667000"/>
+          </a:xfrm>
+          <a:prstGeom prst="rect">
+            <a:avLst/>
+          </a:prstGeom>
+        </p:spPr>
+      </p:pic>
+      <p:pic>
+        <p:nvPicPr>
+          <p:cNvPr id="6" name="Picture 5">
+            <a:extLst>
+              <a:ext uri="{FF2B5EF4-FFF2-40B4-BE49-F238E27FC236}">
+                <a16:creationId xmlns:a16="http://schemas.microsoft.com/office/drawing/2014/main" id="{E1317725-7D84-264E-A094-261DE0F25E37}"/>
+              </a:ext>
+            </a:extLst>
+          </p:cNvPr>
+          <p:cNvPicPr>
+            <a:picLocks noChangeAspect="1"/>
+          </p:cNvPicPr>
+          <p:nvPr/>
+        </p:nvPicPr>
+        <p:blipFill>
+          <a:blip r:embed="rId2"/>
+          <a:stretch>
+            <a:fillRect/>
+          </a:stretch>
+        </p:blipFill>
+        <p:spPr>
+          <a:xfrm>
+            <a:off x="4784124" y="1981200"/>
+            <a:ext cx="3902676" cy="2667000"/>
+          </a:xfrm>
+          <a:prstGeom prst="rect">
+            <a:avLst/>
+          </a:prstGeom>
+        </p:spPr>
+      </p:pic>
+      <p:grpSp>
+        <p:nvGrpSpPr>
+          <p:cNvPr id="23" name="Group 22">
+            <a:extLst>
+              <a:ext uri="{FF2B5EF4-FFF2-40B4-BE49-F238E27FC236}">
+                <a16:creationId xmlns:a16="http://schemas.microsoft.com/office/drawing/2014/main" id="{B9F58C73-EA16-E042-80D6-A863B30B84CD}"/>
+              </a:ext>
+            </a:extLst>
+          </p:cNvPr>
+          <p:cNvGrpSpPr/>
+          <p:nvPr/>
+        </p:nvGrpSpPr>
+        <p:grpSpPr>
+          <a:xfrm>
+            <a:off x="1143000" y="1828800"/>
+            <a:ext cx="3429000" cy="2667000"/>
+            <a:chOff x="1143000" y="1828800"/>
+            <a:chExt cx="3429000" cy="2667000"/>
+          </a:xfrm>
+        </p:grpSpPr>
+        <p:sp>
+          <p:nvSpPr>
+            <p:cNvPr id="7" name="Rectangle 6">
+              <a:extLst>
+                <a:ext uri="{FF2B5EF4-FFF2-40B4-BE49-F238E27FC236}">
+                  <a16:creationId xmlns:a16="http://schemas.microsoft.com/office/drawing/2014/main" id="{5CBE86C8-BE3D-664A-B23A-E889D3A57C2A}"/>
+                </a:ext>
+              </a:extLst>
+            </p:cNvPr>
+            <p:cNvSpPr/>
+            <p:nvPr/>
+          </p:nvSpPr>
+          <p:spPr>
+            <a:xfrm>
+              <a:off x="1143000" y="1828800"/>
+              <a:ext cx="1143000" cy="2667000"/>
+            </a:xfrm>
+            <a:prstGeom prst="rect">
+              <a:avLst/>
+            </a:prstGeom>
+            <a:solidFill>
+              <a:schemeClr val="bg1">
+                <a:lumMod val="95000"/>
+                <a:alpha val="18000"/>
+              </a:schemeClr>
+            </a:solidFill>
+            <a:ln w="38100">
+              <a:solidFill>
+                <a:srgbClr val="FF0000"/>
+              </a:solidFill>
+            </a:ln>
+          </p:spPr>
+          <p:style>
+            <a:lnRef idx="1">
+              <a:schemeClr val="accent1"/>
+            </a:lnRef>
+            <a:fillRef idx="3">
+              <a:schemeClr val="accent1"/>
+            </a:fillRef>
+            <a:effectRef idx="2">
+              <a:schemeClr val="accent1"/>
+            </a:effectRef>
+            <a:fontRef idx="minor">
+              <a:schemeClr val="lt1"/>
+            </a:fontRef>
+          </p:style>
+          <p:txBody>
+            <a:bodyPr rtlCol="0" anchor="ctr"/>
+            <a:lstStyle/>
+            <a:p>
+              <a:pPr algn="ctr"/>
+              <a:endParaRPr lang="en-US"/>
+            </a:p>
+          </p:txBody>
+        </p:sp>
+        <p:sp>
+          <p:nvSpPr>
+            <p:cNvPr id="8" name="Rectangle 7">
+              <a:extLst>
+                <a:ext uri="{FF2B5EF4-FFF2-40B4-BE49-F238E27FC236}">
+                  <a16:creationId xmlns:a16="http://schemas.microsoft.com/office/drawing/2014/main" id="{8F507D8F-1324-334C-9E21-64A353F85C33}"/>
+                </a:ext>
+              </a:extLst>
+            </p:cNvPr>
+            <p:cNvSpPr/>
+            <p:nvPr/>
+          </p:nvSpPr>
+          <p:spPr>
+            <a:xfrm>
+              <a:off x="2286000" y="1828800"/>
+              <a:ext cx="1143000" cy="2667000"/>
+            </a:xfrm>
+            <a:prstGeom prst="rect">
+              <a:avLst/>
+            </a:prstGeom>
+            <a:solidFill>
+              <a:schemeClr val="bg1">
+                <a:lumMod val="95000"/>
+                <a:alpha val="18000"/>
+              </a:schemeClr>
+            </a:solidFill>
+            <a:ln w="38100">
+              <a:solidFill>
+                <a:srgbClr val="002060"/>
+              </a:solidFill>
+            </a:ln>
+          </p:spPr>
+          <p:style>
+            <a:lnRef idx="1">
+              <a:schemeClr val="accent1"/>
+            </a:lnRef>
+            <a:fillRef idx="3">
+              <a:schemeClr val="accent1"/>
+            </a:fillRef>
+            <a:effectRef idx="2">
+              <a:schemeClr val="accent1"/>
+            </a:effectRef>
+            <a:fontRef idx="minor">
+              <a:schemeClr val="lt1"/>
+            </a:fontRef>
+          </p:style>
+          <p:txBody>
+            <a:bodyPr rtlCol="0" anchor="ctr"/>
+            <a:lstStyle/>
+            <a:p>
+              <a:pPr algn="ctr"/>
+              <a:endParaRPr lang="en-US"/>
+            </a:p>
+          </p:txBody>
+        </p:sp>
+        <p:sp>
+          <p:nvSpPr>
+            <p:cNvPr id="9" name="Rectangle 8">
+              <a:extLst>
+                <a:ext uri="{FF2B5EF4-FFF2-40B4-BE49-F238E27FC236}">
+                  <a16:creationId xmlns:a16="http://schemas.microsoft.com/office/drawing/2014/main" id="{27C4E335-D38F-BA48-BA7C-5E7A45F45AE8}"/>
+                </a:ext>
+              </a:extLst>
+            </p:cNvPr>
+            <p:cNvSpPr/>
+            <p:nvPr/>
+          </p:nvSpPr>
+          <p:spPr>
+            <a:xfrm>
+              <a:off x="3429000" y="1828800"/>
+              <a:ext cx="1143000" cy="2667000"/>
+            </a:xfrm>
+            <a:prstGeom prst="rect">
+              <a:avLst/>
+            </a:prstGeom>
+            <a:solidFill>
+              <a:schemeClr val="bg1">
+                <a:lumMod val="95000"/>
+                <a:alpha val="18000"/>
+              </a:schemeClr>
+            </a:solidFill>
+            <a:ln w="38100">
+              <a:solidFill>
+                <a:srgbClr val="C00000"/>
+              </a:solidFill>
+            </a:ln>
+          </p:spPr>
+          <p:style>
+            <a:lnRef idx="1">
+              <a:schemeClr val="accent1"/>
+            </a:lnRef>
+            <a:fillRef idx="3">
+              <a:schemeClr val="accent1"/>
+            </a:fillRef>
+            <a:effectRef idx="2">
+              <a:schemeClr val="accent1"/>
+            </a:effectRef>
+            <a:fontRef idx="minor">
+              <a:schemeClr val="lt1"/>
+            </a:fontRef>
+          </p:style>
+          <p:txBody>
+            <a:bodyPr rtlCol="0" anchor="ctr"/>
+            <a:lstStyle/>
+            <a:p>
+              <a:pPr algn="ctr"/>
+              <a:endParaRPr lang="en-US"/>
+            </a:p>
+          </p:txBody>
+        </p:sp>
+      </p:grpSp>
+      <p:grpSp>
+        <p:nvGrpSpPr>
+          <p:cNvPr id="24" name="Group 23">
+            <a:extLst>
+              <a:ext uri="{FF2B5EF4-FFF2-40B4-BE49-F238E27FC236}">
+                <a16:creationId xmlns:a16="http://schemas.microsoft.com/office/drawing/2014/main" id="{5DBF59AA-0121-9448-8C86-4EEA5B9F9E09}"/>
+              </a:ext>
+            </a:extLst>
+          </p:cNvPr>
+          <p:cNvGrpSpPr/>
+          <p:nvPr/>
+        </p:nvGrpSpPr>
+        <p:grpSpPr>
+          <a:xfrm>
+            <a:off x="5257800" y="1828800"/>
+            <a:ext cx="3429000" cy="2667000"/>
+            <a:chOff x="5257800" y="1828800"/>
+            <a:chExt cx="3429000" cy="2667000"/>
+          </a:xfrm>
+        </p:grpSpPr>
+        <p:sp>
+          <p:nvSpPr>
+            <p:cNvPr id="10" name="Rectangle 9">
+              <a:extLst>
+                <a:ext uri="{FF2B5EF4-FFF2-40B4-BE49-F238E27FC236}">
+                  <a16:creationId xmlns:a16="http://schemas.microsoft.com/office/drawing/2014/main" id="{5FD0C70D-A825-F646-A18C-5CADEF440D2A}"/>
+                </a:ext>
+              </a:extLst>
+            </p:cNvPr>
+            <p:cNvSpPr/>
+            <p:nvPr/>
+          </p:nvSpPr>
+          <p:spPr>
+            <a:xfrm>
+              <a:off x="5257800" y="1828800"/>
+              <a:ext cx="381000" cy="2667000"/>
+            </a:xfrm>
+            <a:prstGeom prst="rect">
+              <a:avLst/>
+            </a:prstGeom>
+            <a:solidFill>
+              <a:schemeClr val="bg1">
+                <a:lumMod val="95000"/>
+                <a:alpha val="18000"/>
+              </a:schemeClr>
+            </a:solidFill>
+            <a:ln w="38100">
+              <a:solidFill>
+                <a:srgbClr val="FF0000"/>
+              </a:solidFill>
+            </a:ln>
+          </p:spPr>
+          <p:style>
+            <a:lnRef idx="1">
+              <a:schemeClr val="accent1"/>
+            </a:lnRef>
+            <a:fillRef idx="3">
+              <a:schemeClr val="accent1"/>
+            </a:fillRef>
+            <a:effectRef idx="2">
+              <a:schemeClr val="accent1"/>
+            </a:effectRef>
+            <a:fontRef idx="minor">
+              <a:schemeClr val="lt1"/>
+            </a:fontRef>
+          </p:style>
+          <p:txBody>
+            <a:bodyPr rtlCol="0" anchor="ctr"/>
+            <a:lstStyle/>
+            <a:p>
+              <a:pPr algn="ctr"/>
+              <a:endParaRPr lang="en-US"/>
+            </a:p>
+          </p:txBody>
+        </p:sp>
+        <p:sp>
+          <p:nvSpPr>
+            <p:cNvPr id="13" name="Rectangle 12">
+              <a:extLst>
+                <a:ext uri="{FF2B5EF4-FFF2-40B4-BE49-F238E27FC236}">
+                  <a16:creationId xmlns:a16="http://schemas.microsoft.com/office/drawing/2014/main" id="{D02DFDC3-FE29-CD4F-A46E-D5D6383AF493}"/>
+                </a:ext>
+              </a:extLst>
+            </p:cNvPr>
+            <p:cNvSpPr/>
+            <p:nvPr/>
+          </p:nvSpPr>
+          <p:spPr>
+            <a:xfrm>
+              <a:off x="5638800" y="1828800"/>
+              <a:ext cx="381000" cy="2667000"/>
+            </a:xfrm>
+            <a:prstGeom prst="rect">
+              <a:avLst/>
+            </a:prstGeom>
+            <a:solidFill>
+              <a:schemeClr val="bg1">
+                <a:lumMod val="95000"/>
+                <a:alpha val="18000"/>
+              </a:schemeClr>
+            </a:solidFill>
+            <a:ln w="38100">
+              <a:solidFill>
+                <a:srgbClr val="002060"/>
+              </a:solidFill>
+            </a:ln>
+          </p:spPr>
+          <p:style>
+            <a:lnRef idx="1">
+              <a:schemeClr val="accent1"/>
+            </a:lnRef>
+            <a:fillRef idx="3">
+              <a:schemeClr val="accent1"/>
+            </a:fillRef>
+            <a:effectRef idx="2">
+              <a:schemeClr val="accent1"/>
+            </a:effectRef>
+            <a:fontRef idx="minor">
+              <a:schemeClr val="lt1"/>
+            </a:fontRef>
+          </p:style>
+          <p:txBody>
+            <a:bodyPr rtlCol="0" anchor="ctr"/>
+            <a:lstStyle/>
+            <a:p>
+              <a:pPr algn="ctr"/>
+              <a:endParaRPr lang="en-US"/>
+            </a:p>
+          </p:txBody>
+        </p:sp>
+        <p:sp>
+          <p:nvSpPr>
+            <p:cNvPr id="14" name="Rectangle 13">
+              <a:extLst>
+                <a:ext uri="{FF2B5EF4-FFF2-40B4-BE49-F238E27FC236}">
+                  <a16:creationId xmlns:a16="http://schemas.microsoft.com/office/drawing/2014/main" id="{242E2F08-4D33-6740-8D3B-C4316D51DD07}"/>
+                </a:ext>
+              </a:extLst>
+            </p:cNvPr>
+            <p:cNvSpPr/>
+            <p:nvPr/>
+          </p:nvSpPr>
+          <p:spPr>
+            <a:xfrm>
+              <a:off x="6019800" y="1828800"/>
+              <a:ext cx="381000" cy="2667000"/>
+            </a:xfrm>
+            <a:prstGeom prst="rect">
+              <a:avLst/>
+            </a:prstGeom>
+            <a:solidFill>
+              <a:schemeClr val="bg1">
+                <a:lumMod val="95000"/>
+                <a:alpha val="18000"/>
+              </a:schemeClr>
+            </a:solidFill>
+            <a:ln w="38100">
+              <a:solidFill>
+                <a:srgbClr val="C00000"/>
+              </a:solidFill>
+            </a:ln>
+          </p:spPr>
+          <p:style>
+            <a:lnRef idx="1">
+              <a:schemeClr val="accent1"/>
+            </a:lnRef>
+            <a:fillRef idx="3">
+              <a:schemeClr val="accent1"/>
+            </a:fillRef>
+            <a:effectRef idx="2">
+              <a:schemeClr val="accent1"/>
+            </a:effectRef>
+            <a:fontRef idx="minor">
+              <a:schemeClr val="lt1"/>
+            </a:fontRef>
+          </p:style>
+          <p:txBody>
+            <a:bodyPr rtlCol="0" anchor="ctr"/>
+            <a:lstStyle/>
+            <a:p>
+              <a:pPr algn="ctr"/>
+              <a:endParaRPr lang="en-US"/>
+            </a:p>
+          </p:txBody>
+        </p:sp>
+        <p:sp>
+          <p:nvSpPr>
+            <p:cNvPr id="15" name="Rectangle 14">
+              <a:extLst>
+                <a:ext uri="{FF2B5EF4-FFF2-40B4-BE49-F238E27FC236}">
+                  <a16:creationId xmlns:a16="http://schemas.microsoft.com/office/drawing/2014/main" id="{DC5E7FE3-C7CD-814F-A0A3-CA5D3F1D525D}"/>
+                </a:ext>
+              </a:extLst>
+            </p:cNvPr>
+            <p:cNvSpPr/>
+            <p:nvPr/>
+          </p:nvSpPr>
+          <p:spPr>
+            <a:xfrm>
+              <a:off x="6400800" y="1828800"/>
+              <a:ext cx="381000" cy="2667000"/>
+            </a:xfrm>
+            <a:prstGeom prst="rect">
+              <a:avLst/>
+            </a:prstGeom>
+            <a:solidFill>
+              <a:schemeClr val="bg1">
+                <a:lumMod val="95000"/>
+                <a:alpha val="18000"/>
+              </a:schemeClr>
+            </a:solidFill>
+            <a:ln w="38100">
+              <a:solidFill>
+                <a:srgbClr val="FF0000"/>
+              </a:solidFill>
+            </a:ln>
+          </p:spPr>
+          <p:style>
+            <a:lnRef idx="1">
+              <a:schemeClr val="accent1"/>
+            </a:lnRef>
+            <a:fillRef idx="3">
+              <a:schemeClr val="accent1"/>
+            </a:fillRef>
+            <a:effectRef idx="2">
+              <a:schemeClr val="accent1"/>
+            </a:effectRef>
+            <a:fontRef idx="minor">
+              <a:schemeClr val="lt1"/>
+            </a:fontRef>
+          </p:style>
+          <p:txBody>
+            <a:bodyPr rtlCol="0" anchor="ctr"/>
+            <a:lstStyle/>
+            <a:p>
+              <a:pPr algn="ctr"/>
+              <a:endParaRPr lang="en-US"/>
+            </a:p>
+          </p:txBody>
+        </p:sp>
+        <p:sp>
+          <p:nvSpPr>
+            <p:cNvPr id="16" name="Rectangle 15">
+              <a:extLst>
+                <a:ext uri="{FF2B5EF4-FFF2-40B4-BE49-F238E27FC236}">
+                  <a16:creationId xmlns:a16="http://schemas.microsoft.com/office/drawing/2014/main" id="{C6320C96-09ED-7940-8EA5-9987B05EC932}"/>
+                </a:ext>
+              </a:extLst>
+            </p:cNvPr>
+            <p:cNvSpPr/>
+            <p:nvPr/>
+          </p:nvSpPr>
+          <p:spPr>
+            <a:xfrm>
+              <a:off x="6781800" y="1828800"/>
+              <a:ext cx="381000" cy="2667000"/>
+            </a:xfrm>
+            <a:prstGeom prst="rect">
+              <a:avLst/>
+            </a:prstGeom>
+            <a:solidFill>
+              <a:schemeClr val="bg1">
+                <a:lumMod val="95000"/>
+                <a:alpha val="18000"/>
+              </a:schemeClr>
+            </a:solidFill>
+            <a:ln w="38100">
+              <a:solidFill>
+                <a:srgbClr val="002060"/>
+              </a:solidFill>
+            </a:ln>
+          </p:spPr>
+          <p:style>
+            <a:lnRef idx="1">
+              <a:schemeClr val="accent1"/>
+            </a:lnRef>
+            <a:fillRef idx="3">
+              <a:schemeClr val="accent1"/>
+            </a:fillRef>
+            <a:effectRef idx="2">
+              <a:schemeClr val="accent1"/>
+            </a:effectRef>
+            <a:fontRef idx="minor">
+              <a:schemeClr val="lt1"/>
+            </a:fontRef>
+          </p:style>
+          <p:txBody>
+            <a:bodyPr rtlCol="0" anchor="ctr"/>
+            <a:lstStyle/>
+            <a:p>
+              <a:pPr algn="ctr"/>
+              <a:endParaRPr lang="en-US"/>
+            </a:p>
+          </p:txBody>
+        </p:sp>
+        <p:sp>
+          <p:nvSpPr>
+            <p:cNvPr id="17" name="Rectangle 16">
+              <a:extLst>
+                <a:ext uri="{FF2B5EF4-FFF2-40B4-BE49-F238E27FC236}">
+                  <a16:creationId xmlns:a16="http://schemas.microsoft.com/office/drawing/2014/main" id="{DE77BCB7-C277-0742-8E36-E80B2901A6E3}"/>
+                </a:ext>
+              </a:extLst>
+            </p:cNvPr>
+            <p:cNvSpPr/>
+            <p:nvPr/>
+          </p:nvSpPr>
+          <p:spPr>
+            <a:xfrm>
+              <a:off x="7162800" y="1828800"/>
+              <a:ext cx="381000" cy="2667000"/>
+            </a:xfrm>
+            <a:prstGeom prst="rect">
+              <a:avLst/>
+            </a:prstGeom>
+            <a:solidFill>
+              <a:schemeClr val="bg1">
+                <a:lumMod val="95000"/>
+                <a:alpha val="18000"/>
+              </a:schemeClr>
+            </a:solidFill>
+            <a:ln w="38100">
+              <a:solidFill>
+                <a:srgbClr val="C00000"/>
+              </a:solidFill>
+            </a:ln>
+          </p:spPr>
+          <p:style>
+            <a:lnRef idx="1">
+              <a:schemeClr val="accent1"/>
+            </a:lnRef>
+            <a:fillRef idx="3">
+              <a:schemeClr val="accent1"/>
+            </a:fillRef>
+            <a:effectRef idx="2">
+              <a:schemeClr val="accent1"/>
+            </a:effectRef>
+            <a:fontRef idx="minor">
+              <a:schemeClr val="lt1"/>
+            </a:fontRef>
+          </p:style>
+          <p:txBody>
+            <a:bodyPr rtlCol="0" anchor="ctr"/>
+            <a:lstStyle/>
+            <a:p>
+              <a:pPr algn="ctr"/>
+              <a:endParaRPr lang="en-US"/>
+            </a:p>
+          </p:txBody>
+        </p:sp>
+        <p:sp>
+          <p:nvSpPr>
+            <p:cNvPr id="18" name="Rectangle 17">
+              <a:extLst>
+                <a:ext uri="{FF2B5EF4-FFF2-40B4-BE49-F238E27FC236}">
+                  <a16:creationId xmlns:a16="http://schemas.microsoft.com/office/drawing/2014/main" id="{48EAC6E5-D0A5-E347-BACC-CE0D67C0FCE8}"/>
+                </a:ext>
+              </a:extLst>
+            </p:cNvPr>
+            <p:cNvSpPr/>
+            <p:nvPr/>
+          </p:nvSpPr>
+          <p:spPr>
+            <a:xfrm>
+              <a:off x="7543800" y="1828800"/>
+              <a:ext cx="381000" cy="2667000"/>
+            </a:xfrm>
+            <a:prstGeom prst="rect">
+              <a:avLst/>
+            </a:prstGeom>
+            <a:solidFill>
+              <a:schemeClr val="bg1">
+                <a:lumMod val="95000"/>
+                <a:alpha val="18000"/>
+              </a:schemeClr>
+            </a:solidFill>
+            <a:ln w="38100">
+              <a:solidFill>
+                <a:srgbClr val="FF0000"/>
+              </a:solidFill>
+            </a:ln>
+          </p:spPr>
+          <p:style>
+            <a:lnRef idx="1">
+              <a:schemeClr val="accent1"/>
+            </a:lnRef>
+            <a:fillRef idx="3">
+              <a:schemeClr val="accent1"/>
+            </a:fillRef>
+            <a:effectRef idx="2">
+              <a:schemeClr val="accent1"/>
+            </a:effectRef>
+            <a:fontRef idx="minor">
+              <a:schemeClr val="lt1"/>
+            </a:fontRef>
+          </p:style>
+          <p:txBody>
+            <a:bodyPr rtlCol="0" anchor="ctr"/>
+            <a:lstStyle/>
+            <a:p>
+              <a:pPr algn="ctr"/>
+              <a:endParaRPr lang="en-US"/>
+            </a:p>
+          </p:txBody>
+        </p:sp>
+        <p:sp>
+          <p:nvSpPr>
+            <p:cNvPr id="19" name="Rectangle 18">
+              <a:extLst>
+                <a:ext uri="{FF2B5EF4-FFF2-40B4-BE49-F238E27FC236}">
+                  <a16:creationId xmlns:a16="http://schemas.microsoft.com/office/drawing/2014/main" id="{DDB16822-2BB7-F74E-A2CC-1398A92B0AEC}"/>
+                </a:ext>
+              </a:extLst>
+            </p:cNvPr>
+            <p:cNvSpPr/>
+            <p:nvPr/>
+          </p:nvSpPr>
+          <p:spPr>
+            <a:xfrm>
+              <a:off x="7924800" y="1828800"/>
+              <a:ext cx="381000" cy="2667000"/>
+            </a:xfrm>
+            <a:prstGeom prst="rect">
+              <a:avLst/>
+            </a:prstGeom>
+            <a:solidFill>
+              <a:schemeClr val="bg1">
+                <a:lumMod val="95000"/>
+                <a:alpha val="18000"/>
+              </a:schemeClr>
+            </a:solidFill>
+            <a:ln w="38100">
+              <a:solidFill>
+                <a:srgbClr val="002060"/>
+              </a:solidFill>
+            </a:ln>
+          </p:spPr>
+          <p:style>
+            <a:lnRef idx="1">
+              <a:schemeClr val="accent1"/>
+            </a:lnRef>
+            <a:fillRef idx="3">
+              <a:schemeClr val="accent1"/>
+            </a:fillRef>
+            <a:effectRef idx="2">
+              <a:schemeClr val="accent1"/>
+            </a:effectRef>
+            <a:fontRef idx="minor">
+              <a:schemeClr val="lt1"/>
+            </a:fontRef>
+          </p:style>
+          <p:txBody>
+            <a:bodyPr rtlCol="0" anchor="ctr"/>
+            <a:lstStyle/>
+            <a:p>
+              <a:pPr algn="ctr"/>
+              <a:endParaRPr lang="en-US"/>
+            </a:p>
+          </p:txBody>
+        </p:sp>
+        <p:sp>
+          <p:nvSpPr>
+            <p:cNvPr id="20" name="Rectangle 19">
+              <a:extLst>
+                <a:ext uri="{FF2B5EF4-FFF2-40B4-BE49-F238E27FC236}">
+                  <a16:creationId xmlns:a16="http://schemas.microsoft.com/office/drawing/2014/main" id="{9395F44C-0A9D-FD41-BD4D-D4240371A962}"/>
+                </a:ext>
+              </a:extLst>
+            </p:cNvPr>
+            <p:cNvSpPr/>
+            <p:nvPr/>
+          </p:nvSpPr>
+          <p:spPr>
+            <a:xfrm>
+              <a:off x="8305800" y="1828800"/>
+              <a:ext cx="381000" cy="2667000"/>
+            </a:xfrm>
+            <a:prstGeom prst="rect">
+              <a:avLst/>
+            </a:prstGeom>
+            <a:solidFill>
+              <a:schemeClr val="bg1">
+                <a:lumMod val="95000"/>
+                <a:alpha val="18000"/>
+              </a:schemeClr>
+            </a:solidFill>
+            <a:ln w="38100">
+              <a:solidFill>
+                <a:srgbClr val="C00000"/>
+              </a:solidFill>
+            </a:ln>
+          </p:spPr>
+          <p:style>
+            <a:lnRef idx="1">
+              <a:schemeClr val="accent1"/>
+            </a:lnRef>
+            <a:fillRef idx="3">
+              <a:schemeClr val="accent1"/>
+            </a:fillRef>
+            <a:effectRef idx="2">
+              <a:schemeClr val="accent1"/>
+            </a:effectRef>
+            <a:fontRef idx="minor">
+              <a:schemeClr val="lt1"/>
+            </a:fontRef>
+          </p:style>
+          <p:txBody>
+            <a:bodyPr rtlCol="0" anchor="ctr"/>
+            <a:lstStyle/>
+            <a:p>
+              <a:pPr algn="ctr"/>
+              <a:endParaRPr lang="en-US"/>
+            </a:p>
+          </p:txBody>
+        </p:sp>
+      </p:grpSp>
+      <p:sp>
+        <p:nvSpPr>
+          <p:cNvPr id="21" name="TextBox 20">
+            <a:extLst>
+              <a:ext uri="{FF2B5EF4-FFF2-40B4-BE49-F238E27FC236}">
+                <a16:creationId xmlns:a16="http://schemas.microsoft.com/office/drawing/2014/main" id="{648D73D3-F404-D647-8395-7E7953126300}"/>
+              </a:ext>
+            </a:extLst>
+          </p:cNvPr>
+          <p:cNvSpPr txBox="1"/>
+          <p:nvPr/>
+        </p:nvSpPr>
+        <p:spPr>
+          <a:xfrm>
+            <a:off x="914489" y="4800600"/>
+            <a:ext cx="4267111" cy="646331"/>
+          </a:xfrm>
+          <a:prstGeom prst="rect">
+            <a:avLst/>
+          </a:prstGeom>
+          <a:noFill/>
+        </p:spPr>
+        <p:txBody>
+          <a:bodyPr wrap="square" rtlCol="0">
+            <a:spAutoFit/>
+          </a:bodyPr>
+          <a:lstStyle/>
+          <a:p>
+            <a:r>
+              <a:rPr lang="en-US" dirty="0"/>
+              <a:t>Folds have very different functional characteristics</a:t>
+            </a:r>
+          </a:p>
+        </p:txBody>
+      </p:sp>
+      <p:sp>
+        <p:nvSpPr>
+          <p:cNvPr id="22" name="TextBox 21">
+            <a:extLst>
+              <a:ext uri="{FF2B5EF4-FFF2-40B4-BE49-F238E27FC236}">
+                <a16:creationId xmlns:a16="http://schemas.microsoft.com/office/drawing/2014/main" id="{4E2F24FF-18C1-8142-91C6-7E4E833586B6}"/>
+              </a:ext>
+            </a:extLst>
+          </p:cNvPr>
+          <p:cNvSpPr txBox="1"/>
+          <p:nvPr/>
+        </p:nvSpPr>
+        <p:spPr>
+          <a:xfrm>
+            <a:off x="5105444" y="4800600"/>
+            <a:ext cx="3657556" cy="646331"/>
+          </a:xfrm>
+          <a:prstGeom prst="rect">
+            <a:avLst/>
+          </a:prstGeom>
+          <a:noFill/>
+        </p:spPr>
+        <p:txBody>
+          <a:bodyPr wrap="square" rtlCol="0">
+            <a:spAutoFit/>
+          </a:bodyPr>
+          <a:lstStyle/>
+          <a:p>
+            <a:r>
+              <a:rPr lang="en-US" dirty="0"/>
+              <a:t>Folds have similar functional characteristics</a:t>
+            </a:r>
+          </a:p>
+        </p:txBody>
+      </p:sp>
+      <p:sp>
+        <p:nvSpPr>
+          <p:cNvPr id="4" name="TextBox 3">
+            <a:extLst>
+              <a:ext uri="{FF2B5EF4-FFF2-40B4-BE49-F238E27FC236}">
+                <a16:creationId xmlns:a16="http://schemas.microsoft.com/office/drawing/2014/main" id="{5EAF785A-78A4-EA41-9C66-30BF049D29C6}"/>
+              </a:ext>
+            </a:extLst>
+          </p:cNvPr>
+          <p:cNvSpPr txBox="1"/>
+          <p:nvPr/>
+        </p:nvSpPr>
+        <p:spPr>
+          <a:xfrm>
+            <a:off x="1524000" y="777419"/>
+            <a:ext cx="1371600" cy="4708981"/>
+          </a:xfrm>
+          <a:prstGeom prst="rect">
+            <a:avLst/>
+          </a:prstGeom>
+          <a:noFill/>
+        </p:spPr>
+        <p:txBody>
+          <a:bodyPr wrap="square" rtlCol="0">
+            <a:spAutoFit/>
+          </a:bodyPr>
+          <a:lstStyle/>
+          <a:p>
+            <a:r>
+              <a:rPr lang="en-US" sz="30000" dirty="0">
+                <a:solidFill>
+                  <a:srgbClr val="FF0000"/>
+                </a:solidFill>
+              </a:rPr>
+              <a:t>X</a:t>
+            </a:r>
+          </a:p>
+        </p:txBody>
+      </p:sp>
+    </p:spTree>
+    <p:extLst>
+      <p:ext uri="{BB962C8B-B14F-4D97-AF65-F5344CB8AC3E}">
+        <p14:creationId xmlns:p14="http://schemas.microsoft.com/office/powerpoint/2010/main" val="1659781518"/>
+      </p:ext>
+    </p:extLst>
+  </p:cSld>
+  <p:clrMapOvr>
+    <a:masterClrMapping/>
+  </p:clrMapOvr>
+  <p:timing>
+    <p:tnLst>
+      <p:par>
+        <p:cTn id="1" dur="indefinite" restart="never" nodeType="tmRoot">
+          <p:childTnLst>
+            <p:seq concurrent="1" nextAc="seek">
+              <p:cTn id="2" dur="indefinite" nodeType="mainSeq">
+                <p:childTnLst>
+                  <p:par>
+                    <p:cTn id="3" fill="hold">
+                      <p:stCondLst>
+                        <p:cond delay="indefinite"/>
+                      </p:stCondLst>
+                      <p:childTnLst>
+                        <p:par>
+                          <p:cTn id="4" fill="hold">
+                            <p:stCondLst>
+                              <p:cond delay="0"/>
+                            </p:stCondLst>
+                            <p:childTnLst>
+                              <p:par>
+                                <p:cTn id="5" presetID="1" presetClass="entr" presetSubtype="0" fill="hold" nodeType="clickEffect">
+                                  <p:stCondLst>
+                                    <p:cond delay="0"/>
+                                  </p:stCondLst>
+                                  <p:childTnLst>
+                                    <p:set>
+                                      <p:cBhvr>
+                                        <p:cTn id="6" dur="1" fill="hold">
+                                          <p:stCondLst>
+                                            <p:cond delay="0"/>
+                                          </p:stCondLst>
+                                        </p:cTn>
+                                        <p:tgtEl>
+                                          <p:spTgt spid="5"/>
+                                        </p:tgtEl>
+                                        <p:attrNameLst>
+                                          <p:attrName>style.visibility</p:attrName>
+                                        </p:attrNameLst>
+                                      </p:cBhvr>
+                                      <p:to>
+                                        <p:strVal val="visible"/>
+                                      </p:to>
+                                    </p:set>
+                                  </p:childTnLst>
+                                </p:cTn>
+                              </p:par>
+                            </p:childTnLst>
+                          </p:cTn>
+                        </p:par>
+                      </p:childTnLst>
+                    </p:cTn>
+                  </p:par>
+                  <p:par>
+                    <p:cTn id="7" fill="hold">
+                      <p:stCondLst>
+                        <p:cond delay="indefinite"/>
+                      </p:stCondLst>
+                      <p:childTnLst>
+                        <p:par>
+                          <p:cTn id="8" fill="hold">
+                            <p:stCondLst>
+                              <p:cond delay="0"/>
+                            </p:stCondLst>
+                            <p:childTnLst>
+                              <p:par>
+                                <p:cTn id="9" presetID="1" presetClass="entr" presetSubtype="0" fill="hold" nodeType="clickEffect">
+                                  <p:stCondLst>
+                                    <p:cond delay="0"/>
+                                  </p:stCondLst>
+                                  <p:childTnLst>
+                                    <p:set>
+                                      <p:cBhvr>
+                                        <p:cTn id="10" dur="1" fill="hold">
+                                          <p:stCondLst>
+                                            <p:cond delay="0"/>
+                                          </p:stCondLst>
+                                        </p:cTn>
+                                        <p:tgtEl>
+                                          <p:spTgt spid="23"/>
+                                        </p:tgtEl>
+                                        <p:attrNameLst>
+                                          <p:attrName>style.visibility</p:attrName>
+                                        </p:attrNameLst>
+                                      </p:cBhvr>
+                                      <p:to>
+                                        <p:strVal val="visible"/>
+                                      </p:to>
+                                    </p:set>
+                                  </p:childTnLst>
+                                </p:cTn>
+                              </p:par>
+                            </p:childTnLst>
+                          </p:cTn>
+                        </p:par>
+                      </p:childTnLst>
+                    </p:cTn>
+                  </p:par>
+                  <p:par>
+                    <p:cTn id="11" fill="hold">
+                      <p:stCondLst>
+                        <p:cond delay="indefinite"/>
+                      </p:stCondLst>
+                      <p:childTnLst>
+                        <p:par>
+                          <p:cTn id="12" fill="hold">
+                            <p:stCondLst>
+                              <p:cond delay="0"/>
+                            </p:stCondLst>
+                            <p:childTnLst>
+                              <p:par>
+                                <p:cTn id="13" presetID="1" presetClass="entr" presetSubtype="0" fill="hold" grpId="0" nodeType="clickEffect">
+                                  <p:stCondLst>
+                                    <p:cond delay="0"/>
+                                  </p:stCondLst>
+                                  <p:childTnLst>
+                                    <p:set>
+                                      <p:cBhvr>
+                                        <p:cTn id="14" dur="1" fill="hold">
+                                          <p:stCondLst>
+                                            <p:cond delay="0"/>
+                                          </p:stCondLst>
+                                        </p:cTn>
+                                        <p:tgtEl>
+                                          <p:spTgt spid="21"/>
+                                        </p:tgtEl>
+                                        <p:attrNameLst>
+                                          <p:attrName>style.visibility</p:attrName>
+                                        </p:attrNameLst>
+                                      </p:cBhvr>
+                                      <p:to>
+                                        <p:strVal val="visible"/>
+                                      </p:to>
+                                    </p:set>
+                                  </p:childTnLst>
+                                </p:cTn>
+                              </p:par>
+                              <p:par>
+                                <p:cTn id="15" presetID="1" presetClass="entr" presetSubtype="0" fill="hold" grpId="0" nodeType="withEffect">
+                                  <p:stCondLst>
+                                    <p:cond delay="0"/>
+                                  </p:stCondLst>
+                                  <p:childTnLst>
+                                    <p:set>
+                                      <p:cBhvr>
+                                        <p:cTn id="16" dur="1" fill="hold">
+                                          <p:stCondLst>
+                                            <p:cond delay="0"/>
+                                          </p:stCondLst>
+                                        </p:cTn>
+                                        <p:tgtEl>
+                                          <p:spTgt spid="4"/>
+                                        </p:tgtEl>
+                                        <p:attrNameLst>
+                                          <p:attrName>style.visibility</p:attrName>
+                                        </p:attrNameLst>
+                                      </p:cBhvr>
+                                      <p:to>
+                                        <p:strVal val="visible"/>
+                                      </p:to>
+                                    </p:set>
+                                  </p:childTnLst>
+                                </p:cTn>
+                              </p:par>
+                            </p:childTnLst>
+                          </p:cTn>
+                        </p:par>
+                      </p:childTnLst>
+                    </p:cTn>
+                  </p:par>
+                  <p:par>
+                    <p:cTn id="17" fill="hold">
+                      <p:stCondLst>
+                        <p:cond delay="indefinite"/>
+                      </p:stCondLst>
+                      <p:childTnLst>
+                        <p:par>
+                          <p:cTn id="18" fill="hold">
+                            <p:stCondLst>
+                              <p:cond delay="0"/>
+                            </p:stCondLst>
+                            <p:childTnLst>
+                              <p:par>
+                                <p:cTn id="19" presetID="1" presetClass="entr" presetSubtype="0" fill="hold" nodeType="clickEffect">
+                                  <p:stCondLst>
+                                    <p:cond delay="0"/>
+                                  </p:stCondLst>
+                                  <p:childTnLst>
+                                    <p:set>
+                                      <p:cBhvr>
+                                        <p:cTn id="20" dur="1" fill="hold">
+                                          <p:stCondLst>
+                                            <p:cond delay="0"/>
+                                          </p:stCondLst>
+                                        </p:cTn>
+                                        <p:tgtEl>
+                                          <p:spTgt spid="6"/>
+                                        </p:tgtEl>
+                                        <p:attrNameLst>
+                                          <p:attrName>style.visibility</p:attrName>
+                                        </p:attrNameLst>
+                                      </p:cBhvr>
+                                      <p:to>
+                                        <p:strVal val="visible"/>
+                                      </p:to>
+                                    </p:set>
+                                  </p:childTnLst>
+                                </p:cTn>
+                              </p:par>
+                            </p:childTnLst>
+                          </p:cTn>
+                        </p:par>
+                      </p:childTnLst>
+                    </p:cTn>
+                  </p:par>
+                  <p:par>
+                    <p:cTn id="21" fill="hold">
+                      <p:stCondLst>
+                        <p:cond delay="indefinite"/>
+                      </p:stCondLst>
+                      <p:childTnLst>
+                        <p:par>
+                          <p:cTn id="22" fill="hold">
+                            <p:stCondLst>
+                              <p:cond delay="0"/>
+                            </p:stCondLst>
+                            <p:childTnLst>
+                              <p:par>
+                                <p:cTn id="23" presetID="1" presetClass="entr" presetSubtype="0" fill="hold" nodeType="clickEffect">
+                                  <p:stCondLst>
+                                    <p:cond delay="0"/>
+                                  </p:stCondLst>
+                                  <p:childTnLst>
+                                    <p:set>
+                                      <p:cBhvr>
+                                        <p:cTn id="24" dur="1" fill="hold">
+                                          <p:stCondLst>
+                                            <p:cond delay="0"/>
+                                          </p:stCondLst>
+                                        </p:cTn>
+                                        <p:tgtEl>
+                                          <p:spTgt spid="24"/>
+                                        </p:tgtEl>
+                                        <p:attrNameLst>
+                                          <p:attrName>style.visibility</p:attrName>
+                                        </p:attrNameLst>
+                                      </p:cBhvr>
+                                      <p:to>
+                                        <p:strVal val="visible"/>
+                                      </p:to>
+                                    </p:set>
+                                  </p:childTnLst>
+                                </p:cTn>
+                              </p:par>
+                            </p:childTnLst>
+                          </p:cTn>
+                        </p:par>
+                      </p:childTnLst>
+                    </p:cTn>
+                  </p:par>
+                  <p:par>
+                    <p:cTn id="25" fill="hold">
+                      <p:stCondLst>
+                        <p:cond delay="indefinite"/>
+                      </p:stCondLst>
+                      <p:childTnLst>
+                        <p:par>
+                          <p:cTn id="26" fill="hold">
+                            <p:stCondLst>
+                              <p:cond delay="0"/>
+                            </p:stCondLst>
+                            <p:childTnLst>
+                              <p:par>
+                                <p:cTn id="27" presetID="1" presetClass="entr" presetSubtype="0" fill="hold" grpId="0" nodeType="clickEffect">
+                                  <p:stCondLst>
+                                    <p:cond delay="0"/>
+                                  </p:stCondLst>
+                                  <p:childTnLst>
+                                    <p:set>
+                                      <p:cBhvr>
+                                        <p:cTn id="28" dur="1" fill="hold">
+                                          <p:stCondLst>
+                                            <p:cond delay="0"/>
+                                          </p:stCondLst>
+                                        </p:cTn>
+                                        <p:tgtEl>
+                                          <p:spTgt spid="22"/>
+                                        </p:tgtEl>
+                                        <p:attrNameLst>
+                                          <p:attrName>style.visibility</p:attrName>
+                                        </p:attrNameLst>
+                                      </p:cBhvr>
+                                      <p:to>
+                                        <p:strVal val="visible"/>
+                                      </p:to>
+                                    </p:set>
+                                  </p:childTnLst>
+                                </p:cTn>
+                              </p:par>
+                            </p:childTnLst>
+                          </p:cTn>
+                        </p:par>
+                      </p:childTnLst>
+                    </p:cTn>
+                  </p:par>
+                </p:childTnLst>
+              </p:cTn>
+              <p:prevCondLst>
+                <p:cond evt="onPrev" delay="0">
+                  <p:tgtEl>
+                    <p:sldTgt/>
+                  </p:tgtEl>
+                </p:cond>
+              </p:prevCondLst>
+              <p:nextCondLst>
+                <p:cond evt="onNext" delay="0">
+                  <p:tgtEl>
+                    <p:sldTgt/>
+                  </p:tgtEl>
+                </p:cond>
+              </p:nextCondLst>
+            </p:seq>
+          </p:childTnLst>
+        </p:cTn>
+      </p:par>
+    </p:tnLst>
+    <p:bldLst>
+      <p:bldP spid="21" grpId="0"/>
+      <p:bldP spid="22" grpId="0"/>
+      <p:bldP spid="4" grpId="0"/>
+    </p:bldLst>
+  </p:timing>
+</p:sld>
+</file>
+
+<file path=ppt/slides/slide11.xml><?xml version="1.0" encoding="utf-8"?>
+<p:sld xmlns:a="http://schemas.openxmlformats.org/drawingml/2006/main" xmlns:r="http://schemas.openxmlformats.org/officeDocument/2006/relationships" xmlns:p="http://schemas.openxmlformats.org/presentationml/2006/main">
+  <p:cSld>
+    <p:spTree>
+      <p:nvGrpSpPr>
+        <p:cNvPr id="1" name=""/>
+        <p:cNvGrpSpPr/>
+        <p:nvPr/>
+      </p:nvGrpSpPr>
+      <p:grpSpPr>
+        <a:xfrm>
+          <a:off x="0" y="0"/>
+          <a:ext cx="0" cy="0"/>
+          <a:chOff x="0" y="0"/>
+          <a:chExt cx="0" cy="0"/>
+        </a:xfrm>
+      </p:grpSpPr>
+      <p:sp>
+        <p:nvSpPr>
+          <p:cNvPr id="2" name="Title 1">
+            <a:extLst>
+              <a:ext uri="{FF2B5EF4-FFF2-40B4-BE49-F238E27FC236}">
                 <a16:creationId xmlns:a16="http://schemas.microsoft.com/office/drawing/2014/main" id="{34F63FE1-0219-A344-BD0A-D047CF371BF1}"/>
               </a:ext>
             </a:extLst>
@@ -5185,7 +6584,7 @@
               <a:pPr>
                 <a:defRPr/>
               </a:pPr>
-              <a:t>10</a:t>
+              <a:t>11</a:t>
             </a:fld>
             <a:endParaRPr lang="en-US" altLang="x-none"/>
           </a:p>
@@ -5234,7 +6633,7 @@
 </p:sld>
 </file>
 
-<file path=ppt/slides/slide11.xml><?xml version="1.0" encoding="utf-8"?>
+<file path=ppt/slides/slide12.xml><?xml version="1.0" encoding="utf-8"?>
 <p:sld xmlns:a="http://schemas.openxmlformats.org/drawingml/2006/main" xmlns:r="http://schemas.openxmlformats.org/officeDocument/2006/relationships" xmlns:p="http://schemas.openxmlformats.org/presentationml/2006/main">
   <p:cSld>
     <p:spTree>
@@ -5320,12 +6719,31 @@
                 </a:r>
                 <a14:m>
                   <m:oMath xmlns:m="http://schemas.openxmlformats.org/officeDocument/2006/math">
-                    <m:r>
-                      <a:rPr lang="en-US" b="0" i="1" smtClean="0">
-                        <a:latin typeface="Cambria Math" panose="02040503050406030204" pitchFamily="18" charset="0"/>
-                      </a:rPr>
-                      <m:t>𝜎</m:t>
-                    </m:r>
+                    <m:sSup>
+                      <m:sSupPr>
+                        <m:ctrlPr>
+                          <a:rPr lang="en-US" b="0" i="1" smtClean="0">
+                            <a:latin typeface="Cambria Math" panose="02040503050406030204" pitchFamily="18" charset="0"/>
+                          </a:rPr>
+                        </m:ctrlPr>
+                      </m:sSupPr>
+                      <m:e>
+                        <m:r>
+                          <a:rPr lang="en-US" b="0" i="1" smtClean="0">
+                            <a:latin typeface="Cambria Math" panose="02040503050406030204" pitchFamily="18" charset="0"/>
+                          </a:rPr>
+                          <m:t>𝜎</m:t>
+                        </m:r>
+                      </m:e>
+                      <m:sup>
+                        <m:r>
+                          <a:rPr lang="en-US" b="0" i="1" smtClean="0">
+                            <a:latin typeface="Cambria Math" panose="02040503050406030204" pitchFamily="18" charset="0"/>
+                          </a:rPr>
+                          <m:t>2</m:t>
+                        </m:r>
+                      </m:sup>
+                    </m:sSup>
                     <m:r>
                       <a:rPr lang="en-US" b="0" i="1" smtClean="0">
                         <a:latin typeface="Cambria Math" panose="02040503050406030204" pitchFamily="18" charset="0"/>
@@ -5460,7 +6878,7 @@
               <a:pPr>
                 <a:defRPr/>
               </a:pPr>
-              <a:t>11</a:t>
+              <a:t>12</a:t>
             </a:fld>
             <a:endParaRPr lang="en-US" altLang="x-none"/>
           </a:p>
@@ -5701,7 +7119,7 @@
 </p:sld>
 </file>
 
-<file path=ppt/slides/slide12.xml><?xml version="1.0" encoding="utf-8"?>
+<file path=ppt/slides/slide13.xml><?xml version="1.0" encoding="utf-8"?>
 <p:sld xmlns:a="http://schemas.openxmlformats.org/drawingml/2006/main" xmlns:r="http://schemas.openxmlformats.org/officeDocument/2006/relationships" xmlns:p="http://schemas.openxmlformats.org/presentationml/2006/main">
   <p:cSld>
     <p:spTree>
@@ -5780,7 +7198,7 @@
               <a:pPr>
                 <a:defRPr/>
               </a:pPr>
-              <a:t>12</a:t>
+              <a:t>13</a:t>
             </a:fld>
             <a:endParaRPr lang="en-US" altLang="x-none"/>
           </a:p>
@@ -5799,7 +7217,7 @@
 </p:sld>
 </file>
 
-<file path=ppt/slides/slide13.xml><?xml version="1.0" encoding="utf-8"?>
+<file path=ppt/slides/slide14.xml><?xml version="1.0" encoding="utf-8"?>
 <p:sld xmlns:a="http://schemas.openxmlformats.org/drawingml/2006/main" xmlns:r="http://schemas.openxmlformats.org/officeDocument/2006/relationships" xmlns:p="http://schemas.openxmlformats.org/presentationml/2006/main">
   <p:cSld>
     <p:spTree>
@@ -5878,7 +7296,7 @@
               <a:pPr>
                 <a:defRPr/>
               </a:pPr>
-              <a:t>13</a:t>
+              <a:t>14</a:t>
             </a:fld>
             <a:endParaRPr lang="en-US" altLang="x-none"/>
           </a:p>
@@ -9110,7 +10528,7 @@
 </p:sld>
 </file>
 
-<file path=ppt/slides/slide14.xml><?xml version="1.0" encoding="utf-8"?>
+<file path=ppt/slides/slide15.xml><?xml version="1.0" encoding="utf-8"?>
 <p:sld xmlns:a="http://schemas.openxmlformats.org/drawingml/2006/main" xmlns:r="http://schemas.openxmlformats.org/officeDocument/2006/relationships" xmlns:p="http://schemas.openxmlformats.org/presentationml/2006/main">
   <p:cSld>
     <p:spTree>
@@ -9189,7 +10607,7 @@
               <a:pPr>
                 <a:defRPr/>
               </a:pPr>
-              <a:t>14</a:t>
+              <a:t>15</a:t>
             </a:fld>
             <a:endParaRPr lang="en-US" altLang="x-none"/>
           </a:p>
@@ -9208,7 +10626,7 @@
 </p:sld>
 </file>
 
-<file path=ppt/slides/slide15.xml><?xml version="1.0" encoding="utf-8"?>
+<file path=ppt/slides/slide16.xml><?xml version="1.0" encoding="utf-8"?>
 <p:sld xmlns:a="http://schemas.openxmlformats.org/drawingml/2006/main" xmlns:r="http://schemas.openxmlformats.org/officeDocument/2006/relationships" xmlns:p="http://schemas.openxmlformats.org/presentationml/2006/main">
   <p:cSld>
     <p:spTree>
@@ -9282,7 +10700,7 @@
               <a:pPr>
                 <a:defRPr/>
               </a:pPr>
-              <a:t>15</a:t>
+              <a:t>16</a:t>
             </a:fld>
             <a:endParaRPr lang="en-US" altLang="x-none"/>
           </a:p>
@@ -9704,7 +11122,7 @@
 </p:sld>
 </file>
 
-<file path=ppt/slides/slide16.xml><?xml version="1.0" encoding="utf-8"?>
+<file path=ppt/slides/slide17.xml><?xml version="1.0" encoding="utf-8"?>
 <p:sld xmlns:a="http://schemas.openxmlformats.org/drawingml/2006/main" xmlns:r="http://schemas.openxmlformats.org/officeDocument/2006/relationships" xmlns:p="http://schemas.openxmlformats.org/presentationml/2006/main">
   <p:cSld>
     <p:spTree>
@@ -9783,7 +11201,7 @@
               <a:pPr>
                 <a:defRPr/>
               </a:pPr>
-              <a:t>16</a:t>
+              <a:t>17</a:t>
             </a:fld>
             <a:endParaRPr lang="en-US" altLang="x-none"/>
           </a:p>
@@ -10024,7 +11442,7 @@
 </p:sld>
 </file>
 
-<file path=ppt/slides/slide17.xml><?xml version="1.0" encoding="utf-8"?>
+<file path=ppt/slides/slide18.xml><?xml version="1.0" encoding="utf-8"?>
 <p:sld xmlns:a="http://schemas.openxmlformats.org/drawingml/2006/main" xmlns:r="http://schemas.openxmlformats.org/officeDocument/2006/relationships" xmlns:p="http://schemas.openxmlformats.org/presentationml/2006/main">
   <p:cSld>
     <p:spTree>
@@ -10530,7 +11948,7 @@
               <a:pPr>
                 <a:defRPr/>
               </a:pPr>
-              <a:t>17</a:t>
+              <a:t>18</a:t>
             </a:fld>
             <a:endParaRPr lang="en-US" altLang="x-none"/>
           </a:p>
@@ -10549,7 +11967,7 @@
 </p:sld>
 </file>
 
-<file path=ppt/slides/slide18.xml><?xml version="1.0" encoding="utf-8"?>
+<file path=ppt/slides/slide19.xml><?xml version="1.0" encoding="utf-8"?>
 <p:sld xmlns:a="http://schemas.openxmlformats.org/drawingml/2006/main" xmlns:r="http://schemas.openxmlformats.org/officeDocument/2006/relationships" xmlns:p="http://schemas.openxmlformats.org/presentationml/2006/main">
   <p:cSld>
     <p:spTree>
@@ -10730,7 +12148,7 @@
               <a:pPr>
                 <a:defRPr/>
               </a:pPr>
-              <a:t>18</a:t>
+              <a:t>19</a:t>
             </a:fld>
             <a:endParaRPr lang="en-US" altLang="x-none"/>
           </a:p>
@@ -10750,6 +12168,135 @@
 </file>
 
 <file path=ppt/slides/slide2.xml><?xml version="1.0" encoding="utf-8"?>
+<p:sld xmlns:a="http://schemas.openxmlformats.org/drawingml/2006/main" xmlns:r="http://schemas.openxmlformats.org/officeDocument/2006/relationships" xmlns:p="http://schemas.openxmlformats.org/presentationml/2006/main">
+  <p:cSld>
+    <p:spTree>
+      <p:nvGrpSpPr>
+        <p:cNvPr id="1" name=""/>
+        <p:cNvGrpSpPr/>
+        <p:nvPr/>
+      </p:nvGrpSpPr>
+      <p:grpSpPr>
+        <a:xfrm>
+          <a:off x="0" y="0"/>
+          <a:ext cx="0" cy="0"/>
+          <a:chOff x="0" y="0"/>
+          <a:chExt cx="0" cy="0"/>
+        </a:xfrm>
+      </p:grpSpPr>
+      <p:sp>
+        <p:nvSpPr>
+          <p:cNvPr id="2" name="Title 1">
+            <a:extLst>
+              <a:ext uri="{FF2B5EF4-FFF2-40B4-BE49-F238E27FC236}">
+                <a16:creationId xmlns:a16="http://schemas.microsoft.com/office/drawing/2014/main" id="{8E501CDD-1AC0-D841-8608-0427D0F3C934}"/>
+              </a:ext>
+            </a:extLst>
+          </p:cNvPr>
+          <p:cNvSpPr>
+            <a:spLocks noGrp="1"/>
+          </p:cNvSpPr>
+          <p:nvPr>
+            <p:ph type="title"/>
+          </p:nvPr>
+        </p:nvSpPr>
+        <p:spPr/>
+        <p:txBody>
+          <a:bodyPr/>
+          <a:lstStyle/>
+          <a:p>
+            <a:r>
+              <a:rPr lang="en-US" dirty="0"/>
+              <a:t>Downloads</a:t>
+            </a:r>
+          </a:p>
+        </p:txBody>
+      </p:sp>
+      <p:sp>
+        <p:nvSpPr>
+          <p:cNvPr id="3" name="Content Placeholder 2">
+            <a:extLst>
+              <a:ext uri="{FF2B5EF4-FFF2-40B4-BE49-F238E27FC236}">
+                <a16:creationId xmlns:a16="http://schemas.microsoft.com/office/drawing/2014/main" id="{A130CE50-5F1A-AD42-9F7B-560319B3CCAF}"/>
+              </a:ext>
+            </a:extLst>
+          </p:cNvPr>
+          <p:cNvSpPr>
+            <a:spLocks noGrp="1"/>
+          </p:cNvSpPr>
+          <p:nvPr>
+            <p:ph idx="1"/>
+          </p:nvPr>
+        </p:nvSpPr>
+        <p:spPr/>
+        <p:txBody>
+          <a:bodyPr/>
+          <a:lstStyle/>
+          <a:p>
+            <a:r>
+              <a:rPr lang="en-US" dirty="0"/>
+              <a:t>Lecture_9* at http://</a:t>
+            </a:r>
+            <a:r>
+              <a:rPr lang="en-US" dirty="0" err="1"/>
+              <a:t>shorturl.at</a:t>
+            </a:r>
+            <a:r>
+              <a:rPr lang="en-US" dirty="0"/>
+              <a:t>/crOS2</a:t>
+            </a:r>
+          </a:p>
+        </p:txBody>
+      </p:sp>
+      <p:sp>
+        <p:nvSpPr>
+          <p:cNvPr id="4" name="Slide Number Placeholder 3">
+            <a:extLst>
+              <a:ext uri="{FF2B5EF4-FFF2-40B4-BE49-F238E27FC236}">
+                <a16:creationId xmlns:a16="http://schemas.microsoft.com/office/drawing/2014/main" id="{77B452FF-B381-E647-B00F-62D0CE459B8C}"/>
+              </a:ext>
+            </a:extLst>
+          </p:cNvPr>
+          <p:cNvSpPr>
+            <a:spLocks noGrp="1"/>
+          </p:cNvSpPr>
+          <p:nvPr>
+            <p:ph type="sldNum" sz="quarter" idx="11"/>
+          </p:nvPr>
+        </p:nvSpPr>
+        <p:spPr/>
+        <p:txBody>
+          <a:bodyPr/>
+          <a:lstStyle/>
+          <a:p>
+            <a:pPr>
+              <a:defRPr/>
+            </a:pPr>
+            <a:fld id="{3EF4E9CC-9D91-476E-91FD-5BEEC1642931}" type="slidenum">
+              <a:rPr lang="en-US" altLang="x-none" smtClean="0"/>
+              <a:pPr>
+                <a:defRPr/>
+              </a:pPr>
+              <a:t>2</a:t>
+            </a:fld>
+            <a:endParaRPr lang="en-US" altLang="x-none"/>
+          </a:p>
+        </p:txBody>
+      </p:sp>
+    </p:spTree>
+    <p:extLst>
+      <p:ext uri="{BB962C8B-B14F-4D97-AF65-F5344CB8AC3E}">
+        <p14:creationId xmlns:p14="http://schemas.microsoft.com/office/powerpoint/2010/main" val="3468761550"/>
+      </p:ext>
+    </p:extLst>
+  </p:cSld>
+  <p:clrMapOvr>
+    <a:masterClrMapping/>
+  </p:clrMapOvr>
+</p:sld>
+</file>
+
+<file path=ppt/slides/slide3.xml><?xml version="1.0" encoding="utf-8"?>
 <p:sld xmlns:a="http://schemas.openxmlformats.org/drawingml/2006/main" xmlns:r="http://schemas.openxmlformats.org/officeDocument/2006/relationships" xmlns:p="http://schemas.openxmlformats.org/presentationml/2006/main">
   <p:cSld>
     <p:spTree>
@@ -10880,7 +12427,7 @@
 </p:sld>
 </file>
 
-<file path=ppt/slides/slide3.xml><?xml version="1.0" encoding="utf-8"?>
+<file path=ppt/slides/slide4.xml><?xml version="1.0" encoding="utf-8"?>
 <p:sld xmlns:a="http://schemas.openxmlformats.org/drawingml/2006/main" xmlns:r="http://schemas.openxmlformats.org/officeDocument/2006/relationships" xmlns:p="http://schemas.openxmlformats.org/presentationml/2006/main">
   <p:cSld>
     <p:spTree>
@@ -13662,7 +15209,7 @@
 </p:sld>
 </file>
 
-<file path=ppt/slides/slide4.xml><?xml version="1.0" encoding="utf-8"?>
+<file path=ppt/slides/slide5.xml><?xml version="1.0" encoding="utf-8"?>
 <p:sld xmlns:a="http://schemas.openxmlformats.org/drawingml/2006/main" xmlns:r="http://schemas.openxmlformats.org/officeDocument/2006/relationships" xmlns:p="http://schemas.openxmlformats.org/presentationml/2006/main">
   <p:cSld>
     <p:spTree>
@@ -13799,7 +15346,7 @@
               <a:pPr>
                 <a:defRPr/>
               </a:pPr>
-              <a:t>4</a:t>
+              <a:t>5</a:t>
             </a:fld>
             <a:endParaRPr lang="en-US" altLang="x-none"/>
           </a:p>
@@ -13818,7 +15365,7 @@
 </p:sld>
 </file>
 
-<file path=ppt/slides/slide5.xml><?xml version="1.0" encoding="utf-8"?>
+<file path=ppt/slides/slide6.xml><?xml version="1.0" encoding="utf-8"?>
 <p:sld xmlns:a="http://schemas.openxmlformats.org/drawingml/2006/main" xmlns:r="http://schemas.openxmlformats.org/officeDocument/2006/relationships" xmlns:p="http://schemas.openxmlformats.org/presentationml/2006/main">
   <p:cSld>
     <p:spTree>
@@ -13972,7 +15519,7 @@
               <a:pPr>
                 <a:defRPr/>
               </a:pPr>
-              <a:t>5</a:t>
+              <a:t>6</a:t>
             </a:fld>
             <a:endParaRPr lang="en-US" altLang="x-none"/>
           </a:p>
@@ -14665,7 +16212,7 @@
 </p:sld>
 </file>
 
-<file path=ppt/slides/slide6.xml><?xml version="1.0" encoding="utf-8"?>
+<file path=ppt/slides/slide7.xml><?xml version="1.0" encoding="utf-8"?>
 <p:sld xmlns:a="http://schemas.openxmlformats.org/drawingml/2006/main" xmlns:r="http://schemas.openxmlformats.org/officeDocument/2006/relationships" xmlns:p="http://schemas.openxmlformats.org/presentationml/2006/main">
   <p:cSld>
     <p:spTree>
@@ -14744,7 +16291,7 @@
               <a:pPr>
                 <a:defRPr/>
               </a:pPr>
-              <a:t>6</a:t>
+              <a:t>7</a:t>
             </a:fld>
             <a:endParaRPr lang="en-US" altLang="x-none"/>
           </a:p>
@@ -14763,7 +16310,7 @@
 </p:sld>
 </file>
 
-<file path=ppt/slides/slide7.xml><?xml version="1.0" encoding="utf-8"?>
+<file path=ppt/slides/slide8.xml><?xml version="1.0" encoding="utf-8"?>
 <p:sld xmlns:a="http://schemas.openxmlformats.org/drawingml/2006/main" xmlns:r="http://schemas.openxmlformats.org/officeDocument/2006/relationships" xmlns:p="http://schemas.openxmlformats.org/presentationml/2006/main">
   <p:cSld>
     <p:spTree>
@@ -15436,7 +16983,7 @@
               <a:pPr>
                 <a:defRPr/>
               </a:pPr>
-              <a:t>7</a:t>
+              <a:t>8</a:t>
             </a:fld>
             <a:endParaRPr lang="en-US" altLang="x-none"/>
           </a:p>
@@ -17176,7 +18723,7 @@
 </p:sld>
 </file>
 
-<file path=ppt/slides/slide8.xml><?xml version="1.0" encoding="utf-8"?>
+<file path=ppt/slides/slide9.xml><?xml version="1.0" encoding="utf-8"?>
 <p:sld xmlns:a="http://schemas.openxmlformats.org/drawingml/2006/main" xmlns:r="http://schemas.openxmlformats.org/officeDocument/2006/relationships" xmlns:p="http://schemas.openxmlformats.org/presentationml/2006/main">
   <p:cSld>
     <p:spTree>
@@ -17250,7 +18797,7 @@
               <a:pPr>
                 <a:defRPr/>
               </a:pPr>
-              <a:t>8</a:t>
+              <a:t>9</a:t>
             </a:fld>
             <a:endParaRPr lang="en-US" altLang="x-none"/>
           </a:p>
@@ -17388,8 +18935,8 @@
         </p:nvSpPr>
         <p:spPr>
           <a:xfrm>
-            <a:off x="762000" y="3962400"/>
-            <a:ext cx="2971800" cy="914400"/>
+            <a:off x="457199" y="3962400"/>
+            <a:ext cx="3398747" cy="914400"/>
           </a:xfrm>
           <a:prstGeom prst="rect">
             <a:avLst/>
@@ -17424,7 +18971,7 @@
             </a:r>
             <a:r>
               <a:rPr lang="en-US" sz="2400" b="1" dirty="0"/>
-              <a:t> evaluations of the model</a:t>
+              <a:t> parameter fits and model evaluations</a:t>
             </a:r>
           </a:p>
         </p:txBody>
@@ -18062,7 +19609,7 @@
         </p:nvSpPr>
         <p:spPr>
           <a:xfrm>
-            <a:off x="4648201" y="1981200"/>
+            <a:off x="5283857" y="1981200"/>
             <a:ext cx="894219" cy="369332"/>
           </a:xfrm>
           <a:prstGeom prst="rect">
@@ -18097,7 +19644,7 @@
         </p:nvSpPr>
         <p:spPr>
           <a:xfrm>
-            <a:off x="5582782" y="1981200"/>
+            <a:off x="6218438" y="1981200"/>
             <a:ext cx="800284" cy="369332"/>
           </a:xfrm>
           <a:prstGeom prst="rect">
@@ -18118,8 +19665,8 @@
           </a:p>
         </p:txBody>
       </p:sp>
-      <mc:AlternateContent xmlns:mc="http://schemas.openxmlformats.org/markup-compatibility/2006" xmlns:a14="http://schemas.microsoft.com/office/drawing/2010/main">
-        <mc:Choice Requires="a14">
+      <mc:AlternateContent xmlns:mc="http://schemas.openxmlformats.org/markup-compatibility/2006">
+        <mc:Choice xmlns:a14="http://schemas.microsoft.com/office/drawing/2010/main" Requires="a14">
           <p:sp>
             <p:nvSpPr>
               <p:cNvPr id="29" name="TextBox 28">
@@ -18134,7 +19681,7 @@
             </p:nvSpPr>
             <p:spPr>
               <a:xfrm>
-                <a:off x="6850764" y="2209800"/>
+                <a:off x="7384164" y="2209800"/>
                 <a:ext cx="616836" cy="465961"/>
               </a:xfrm>
               <a:prstGeom prst="rect">
@@ -18196,7 +19743,7 @@
             </p:txBody>
           </p:sp>
         </mc:Choice>
-        <mc:Fallback xmlns="">
+        <mc:Fallback>
           <p:sp>
             <p:nvSpPr>
               <p:cNvPr id="29" name="TextBox 28">
@@ -18213,14 +19760,14 @@
             </p:nvSpPr>
             <p:spPr>
               <a:xfrm>
-                <a:off x="6850764" y="2209800"/>
+                <a:off x="7384164" y="2209800"/>
                 <a:ext cx="616836" cy="465961"/>
               </a:xfrm>
               <a:prstGeom prst="rect">
                 <a:avLst/>
               </a:prstGeom>
               <a:blipFill>
-                <a:blip r:embed="rId2"/>
+                <a:blip r:embed="rId3"/>
                 <a:stretch>
                   <a:fillRect b="-2632"/>
                 </a:stretch>
@@ -18241,8 +19788,8 @@
           </p:sp>
         </mc:Fallback>
       </mc:AlternateContent>
-      <mc:AlternateContent xmlns:mc="http://schemas.openxmlformats.org/markup-compatibility/2006" xmlns:a14="http://schemas.microsoft.com/office/drawing/2010/main">
-        <mc:Choice Requires="a14">
+      <mc:AlternateContent xmlns:mc="http://schemas.openxmlformats.org/markup-compatibility/2006">
+        <mc:Choice xmlns:a14="http://schemas.microsoft.com/office/drawing/2010/main" Requires="a14">
           <p:sp>
             <p:nvSpPr>
               <p:cNvPr id="30" name="TextBox 29">
@@ -18257,7 +19804,7 @@
             </p:nvSpPr>
             <p:spPr>
               <a:xfrm>
-                <a:off x="6843528" y="3425718"/>
+                <a:off x="7376928" y="3425718"/>
                 <a:ext cx="616836" cy="466666"/>
               </a:xfrm>
               <a:prstGeom prst="rect">
@@ -18319,7 +19866,7 @@
             </p:txBody>
           </p:sp>
         </mc:Choice>
-        <mc:Fallback xmlns="">
+        <mc:Fallback>
           <p:sp>
             <p:nvSpPr>
               <p:cNvPr id="30" name="TextBox 29">
@@ -18336,14 +19883,14 @@
             </p:nvSpPr>
             <p:spPr>
               <a:xfrm>
-                <a:off x="6843528" y="3425718"/>
+                <a:off x="7376928" y="3425718"/>
                 <a:ext cx="616836" cy="466666"/>
               </a:xfrm>
               <a:prstGeom prst="rect">
                 <a:avLst/>
               </a:prstGeom>
               <a:blipFill>
-                <a:blip r:embed="rId3"/>
+                <a:blip r:embed="rId4"/>
                 <a:stretch>
                   <a:fillRect b="-5405"/>
                 </a:stretch>
@@ -18364,8 +19911,8 @@
           </p:sp>
         </mc:Fallback>
       </mc:AlternateContent>
-      <mc:AlternateContent xmlns:mc="http://schemas.openxmlformats.org/markup-compatibility/2006" xmlns:a14="http://schemas.microsoft.com/office/drawing/2010/main">
-        <mc:Choice Requires="a14">
+      <mc:AlternateContent xmlns:mc="http://schemas.openxmlformats.org/markup-compatibility/2006">
+        <mc:Choice xmlns:a14="http://schemas.microsoft.com/office/drawing/2010/main" Requires="a14">
           <p:sp>
             <p:nvSpPr>
               <p:cNvPr id="34" name="TextBox 33">
@@ -18380,7 +19927,7 @@
             </p:nvSpPr>
             <p:spPr>
               <a:xfrm>
-                <a:off x="4646212" y="5748913"/>
+                <a:off x="5281868" y="5748913"/>
                 <a:ext cx="2673424" cy="746871"/>
               </a:xfrm>
               <a:prstGeom prst="rect">
@@ -18582,7 +20129,7 @@
             </p:txBody>
           </p:sp>
         </mc:Choice>
-        <mc:Fallback xmlns="">
+        <mc:Fallback>
           <p:sp>
             <p:nvSpPr>
               <p:cNvPr id="34" name="TextBox 33">
@@ -18599,14 +20146,14 @@
             </p:nvSpPr>
             <p:spPr>
               <a:xfrm>
-                <a:off x="4646212" y="5748913"/>
+                <a:off x="5281868" y="5748913"/>
                 <a:ext cx="2673424" cy="746871"/>
               </a:xfrm>
               <a:prstGeom prst="rect">
                 <a:avLst/>
               </a:prstGeom>
               <a:blipFill>
-                <a:blip r:embed="rId4"/>
+                <a:blip r:embed="rId5"/>
                 <a:stretch>
                   <a:fillRect l="-1896" b="-11864"/>
                 </a:stretch>
@@ -18680,10 +20227,16 @@
           <p:cNvGraphicFramePr>
             <a:graphicFrameLocks noGrp="1"/>
           </p:cNvGraphicFramePr>
-          <p:nvPr/>
+          <p:nvPr>
+            <p:extLst>
+              <p:ext uri="{D42A27DB-BD31-4B8C-83A1-F6EECF244321}">
+                <p14:modId xmlns:p14="http://schemas.microsoft.com/office/powerpoint/2010/main" val="3472587524"/>
+              </p:ext>
+            </p:extLst>
+          </p:nvPr>
         </p:nvGraphicFramePr>
         <p:xfrm>
-          <a:off x="4572001" y="2352040"/>
+          <a:off x="5207657" y="2352040"/>
           <a:ext cx="833120" cy="467360"/>
         </p:xfrm>
         <a:graphic>
@@ -19046,10 +20599,16 @@
           <p:cNvGraphicFramePr>
             <a:graphicFrameLocks noGrp="1"/>
           </p:cNvGraphicFramePr>
-          <p:nvPr/>
+          <p:nvPr>
+            <p:extLst>
+              <p:ext uri="{D42A27DB-BD31-4B8C-83A1-F6EECF244321}">
+                <p14:modId xmlns:p14="http://schemas.microsoft.com/office/powerpoint/2010/main" val="3455138009"/>
+              </p:ext>
+            </p:extLst>
+          </p:nvPr>
         </p:nvGraphicFramePr>
         <p:xfrm>
-          <a:off x="5486401" y="2362200"/>
+          <a:off x="6122057" y="2362200"/>
           <a:ext cx="833120" cy="233680"/>
         </p:xfrm>
         <a:graphic>
@@ -19232,7 +20791,7 @@
         </p:nvSpPr>
         <p:spPr>
           <a:xfrm>
-            <a:off x="4648201" y="3206742"/>
+            <a:off x="5283857" y="3206742"/>
             <a:ext cx="894219" cy="369332"/>
           </a:xfrm>
           <a:prstGeom prst="rect">
@@ -19267,7 +20826,7 @@
         </p:nvSpPr>
         <p:spPr>
           <a:xfrm>
-            <a:off x="5582782" y="3206742"/>
+            <a:off x="6218438" y="3206742"/>
             <a:ext cx="800284" cy="369332"/>
           </a:xfrm>
           <a:prstGeom prst="rect">
@@ -19300,10 +20859,16 @@
           <p:cNvGraphicFramePr>
             <a:graphicFrameLocks noGrp="1"/>
           </p:cNvGraphicFramePr>
-          <p:nvPr/>
+          <p:nvPr>
+            <p:extLst>
+              <p:ext uri="{D42A27DB-BD31-4B8C-83A1-F6EECF244321}">
+                <p14:modId xmlns:p14="http://schemas.microsoft.com/office/powerpoint/2010/main" val="4288155921"/>
+              </p:ext>
+            </p:extLst>
+          </p:nvPr>
         </p:nvGraphicFramePr>
         <p:xfrm>
-          <a:off x="4572001" y="3577582"/>
+          <a:off x="5207657" y="3577582"/>
           <a:ext cx="833120" cy="467360"/>
         </p:xfrm>
         <a:graphic>
@@ -19666,10 +21231,16 @@
           <p:cNvGraphicFramePr>
             <a:graphicFrameLocks noGrp="1"/>
           </p:cNvGraphicFramePr>
-          <p:nvPr/>
+          <p:nvPr>
+            <p:extLst>
+              <p:ext uri="{D42A27DB-BD31-4B8C-83A1-F6EECF244321}">
+                <p14:modId xmlns:p14="http://schemas.microsoft.com/office/powerpoint/2010/main" val="3283518901"/>
+              </p:ext>
+            </p:extLst>
+          </p:nvPr>
         </p:nvGraphicFramePr>
         <p:xfrm>
-          <a:off x="5486401" y="3587742"/>
+          <a:off x="6122057" y="3587742"/>
           <a:ext cx="833120" cy="233680"/>
         </p:xfrm>
         <a:graphic>
@@ -19852,7 +21423,7 @@
         </p:nvSpPr>
         <p:spPr>
           <a:xfrm>
-            <a:off x="4665936" y="4495800"/>
+            <a:off x="5301592" y="4495800"/>
             <a:ext cx="894219" cy="369332"/>
           </a:xfrm>
           <a:prstGeom prst="rect">
@@ -19887,7 +21458,7 @@
         </p:nvSpPr>
         <p:spPr>
           <a:xfrm>
-            <a:off x="5600517" y="4495800"/>
+            <a:off x="6236173" y="4495800"/>
             <a:ext cx="800284" cy="369332"/>
           </a:xfrm>
           <a:prstGeom prst="rect">
@@ -19920,10 +21491,16 @@
           <p:cNvGraphicFramePr>
             <a:graphicFrameLocks noGrp="1"/>
           </p:cNvGraphicFramePr>
-          <p:nvPr/>
+          <p:nvPr>
+            <p:extLst>
+              <p:ext uri="{D42A27DB-BD31-4B8C-83A1-F6EECF244321}">
+                <p14:modId xmlns:p14="http://schemas.microsoft.com/office/powerpoint/2010/main" val="1560695014"/>
+              </p:ext>
+            </p:extLst>
+          </p:nvPr>
         </p:nvGraphicFramePr>
         <p:xfrm>
-          <a:off x="4572000" y="4876800"/>
+          <a:off x="5207656" y="4876800"/>
           <a:ext cx="833120" cy="467360"/>
         </p:xfrm>
         <a:graphic>
@@ -20286,10 +21863,16 @@
           <p:cNvGraphicFramePr>
             <a:graphicFrameLocks noGrp="1"/>
           </p:cNvGraphicFramePr>
-          <p:nvPr/>
+          <p:nvPr>
+            <p:extLst>
+              <p:ext uri="{D42A27DB-BD31-4B8C-83A1-F6EECF244321}">
+                <p14:modId xmlns:p14="http://schemas.microsoft.com/office/powerpoint/2010/main" val="835109237"/>
+              </p:ext>
+            </p:extLst>
+          </p:nvPr>
         </p:nvGraphicFramePr>
         <p:xfrm>
-          <a:off x="5504136" y="4876800"/>
+          <a:off x="6139792" y="4876800"/>
           <a:ext cx="833120" cy="233680"/>
         </p:xfrm>
         <a:graphic>
@@ -20458,8 +22041,8 @@
           </a:graphicData>
         </a:graphic>
       </p:graphicFrame>
-      <mc:AlternateContent xmlns:mc="http://schemas.openxmlformats.org/markup-compatibility/2006" xmlns:a14="http://schemas.microsoft.com/office/drawing/2010/main">
-        <mc:Choice Requires="a14">
+      <mc:AlternateContent xmlns:mc="http://schemas.openxmlformats.org/markup-compatibility/2006">
+        <mc:Choice xmlns:a14="http://schemas.microsoft.com/office/drawing/2010/main" Requires="a14">
           <p:sp>
             <p:nvSpPr>
               <p:cNvPr id="51" name="TextBox 50">
@@ -20474,7 +22057,7 @@
             </p:nvSpPr>
             <p:spPr>
               <a:xfrm>
-                <a:off x="6850764" y="4721823"/>
+                <a:off x="7384164" y="4721823"/>
                 <a:ext cx="616836" cy="468526"/>
               </a:xfrm>
               <a:prstGeom prst="rect">
@@ -20536,7 +22119,7 @@
             </p:txBody>
           </p:sp>
         </mc:Choice>
-        <mc:Fallback xmlns="">
+        <mc:Fallback>
           <p:sp>
             <p:nvSpPr>
               <p:cNvPr id="51" name="TextBox 50">
@@ -20553,14 +22136,14 @@
             </p:nvSpPr>
             <p:spPr>
               <a:xfrm>
-                <a:off x="6850764" y="4721823"/>
+                <a:off x="7384164" y="4721823"/>
                 <a:ext cx="616836" cy="468526"/>
               </a:xfrm>
               <a:prstGeom prst="rect">
                 <a:avLst/>
               </a:prstGeom>
               <a:blipFill>
-                <a:blip r:embed="rId5"/>
+                <a:blip r:embed="rId6"/>
                 <a:stretch>
                   <a:fillRect b="-2703"/>
                 </a:stretch>
@@ -20591,13 +22174,13 @@
             </a:extLst>
           </p:cNvPr>
           <p:cNvCxnSpPr>
-            <a:endCxn id="29" idx="1"/>
+            <a:cxnSpLocks/>
           </p:cNvCxnSpPr>
           <p:nvPr/>
         </p:nvCxnSpPr>
         <p:spPr>
           <a:xfrm>
-            <a:off x="6400801" y="2442780"/>
+            <a:off x="7036457" y="2442780"/>
             <a:ext cx="449963" cy="1"/>
           </a:xfrm>
           <a:prstGeom prst="straightConnector1">
@@ -20635,13 +22218,13 @@
             </a:extLst>
           </p:cNvPr>
           <p:cNvCxnSpPr>
-            <a:endCxn id="30" idx="1"/>
+            <a:cxnSpLocks/>
           </p:cNvCxnSpPr>
           <p:nvPr/>
         </p:nvCxnSpPr>
         <p:spPr>
           <a:xfrm>
-            <a:off x="6400801" y="3659051"/>
+            <a:off x="7036457" y="3659051"/>
             <a:ext cx="442727" cy="0"/>
           </a:xfrm>
           <a:prstGeom prst="straightConnector1">
@@ -20679,13 +22262,13 @@
             </a:extLst>
           </p:cNvPr>
           <p:cNvCxnSpPr>
-            <a:endCxn id="51" idx="1"/>
+            <a:cxnSpLocks/>
           </p:cNvCxnSpPr>
           <p:nvPr/>
         </p:nvCxnSpPr>
         <p:spPr>
           <a:xfrm>
-            <a:off x="6383066" y="4956086"/>
+            <a:off x="7018722" y="4956086"/>
             <a:ext cx="467698" cy="0"/>
           </a:xfrm>
           <a:prstGeom prst="straightConnector1">
@@ -21352,7 +22935,7 @@
         </p:nvSpPr>
         <p:spPr>
           <a:xfrm>
-            <a:off x="4646212" y="1544140"/>
+            <a:off x="5281868" y="1544140"/>
             <a:ext cx="684803" cy="369332"/>
           </a:xfrm>
           <a:prstGeom prst="rect">
@@ -21373,6 +22956,510 @@
           </a:p>
         </p:txBody>
       </p:sp>
+      <p:grpSp>
+        <p:nvGrpSpPr>
+          <p:cNvPr id="15" name="Group 14">
+            <a:extLst>
+              <a:ext uri="{FF2B5EF4-FFF2-40B4-BE49-F238E27FC236}">
+                <a16:creationId xmlns:a16="http://schemas.microsoft.com/office/drawing/2014/main" id="{1B39E990-FA79-3642-B660-037B4CF5081F}"/>
+              </a:ext>
+            </a:extLst>
+          </p:cNvPr>
+          <p:cNvGrpSpPr/>
+          <p:nvPr/>
+        </p:nvGrpSpPr>
+        <p:grpSpPr>
+          <a:xfrm>
+            <a:off x="4598056" y="2256495"/>
+            <a:ext cx="735944" cy="3077505"/>
+            <a:chOff x="4598056" y="2256495"/>
+            <a:chExt cx="735944" cy="3077505"/>
+          </a:xfrm>
+        </p:grpSpPr>
+        <mc:AlternateContent xmlns:mc="http://schemas.openxmlformats.org/markup-compatibility/2006">
+          <mc:Choice xmlns:a14="http://schemas.microsoft.com/office/drawing/2010/main" Requires="a14">
+            <p:sp>
+              <p:nvSpPr>
+                <p:cNvPr id="3" name="TextBox 2">
+                  <a:extLst>
+                    <a:ext uri="{FF2B5EF4-FFF2-40B4-BE49-F238E27FC236}">
+                      <a16:creationId xmlns:a16="http://schemas.microsoft.com/office/drawing/2014/main" id="{6A807C5F-8F4B-0048-96CC-772B545995D0}"/>
+                    </a:ext>
+                  </a:extLst>
+                </p:cNvPr>
+                <p:cNvSpPr txBox="1"/>
+                <p:nvPr/>
+              </p:nvSpPr>
+              <p:spPr>
+                <a:xfrm>
+                  <a:off x="4598056" y="2454403"/>
+                  <a:ext cx="431144" cy="288797"/>
+                </a:xfrm>
+                <a:prstGeom prst="rect">
+                  <a:avLst/>
+                </a:prstGeom>
+                <a:noFill/>
+              </p:spPr>
+              <p:txBody>
+                <a:bodyPr wrap="none" lIns="0" tIns="0" rIns="0" bIns="0" rtlCol="0">
+                  <a:spAutoFit/>
+                </a:bodyPr>
+                <a:lstStyle/>
+                <a:p>
+                  <a14:m>
+                    <m:oMathPara xmlns:m="http://schemas.openxmlformats.org/officeDocument/2006/math">
+                      <m:oMathParaPr>
+                        <m:jc m:val="centerGroup"/>
+                      </m:oMathParaPr>
+                      <m:oMath xmlns:m="http://schemas.openxmlformats.org/officeDocument/2006/math">
+                        <m:sSup>
+                          <m:sSupPr>
+                            <m:ctrlPr>
+                              <a:rPr lang="en-US" b="0" i="1" smtClean="0">
+                                <a:latin typeface="Cambria Math" panose="02040503050406030204" pitchFamily="18" charset="0"/>
+                              </a:rPr>
+                            </m:ctrlPr>
+                          </m:sSupPr>
+                          <m:e>
+                            <m:acc>
+                              <m:accPr>
+                                <m:chr m:val="̂"/>
+                                <m:ctrlPr>
+                                  <a:rPr lang="en-US" b="0" i="1" smtClean="0">
+                                    <a:latin typeface="Cambria Math" panose="02040503050406030204" pitchFamily="18" charset="0"/>
+                                  </a:rPr>
+                                </m:ctrlPr>
+                              </m:accPr>
+                              <m:e>
+                                <m:r>
+                                  <a:rPr lang="en-US" b="0" i="1" smtClean="0">
+                                    <a:latin typeface="Cambria Math" panose="02040503050406030204" pitchFamily="18" charset="0"/>
+                                  </a:rPr>
+                                  <m:t>𝜃</m:t>
+                                </m:r>
+                              </m:e>
+                            </m:acc>
+                          </m:e>
+                          <m:sup>
+                            <m:r>
+                              <a:rPr lang="en-US" b="0" i="1" smtClean="0">
+                                <a:latin typeface="Cambria Math" panose="02040503050406030204" pitchFamily="18" charset="0"/>
+                              </a:rPr>
+                              <m:t>[1]</m:t>
+                            </m:r>
+                          </m:sup>
+                        </m:sSup>
+                      </m:oMath>
+                    </m:oMathPara>
+                  </a14:m>
+                  <a:endParaRPr lang="en-US" dirty="0"/>
+                </a:p>
+              </p:txBody>
+            </p:sp>
+          </mc:Choice>
+          <mc:Fallback>
+            <p:sp>
+              <p:nvSpPr>
+                <p:cNvPr id="3" name="TextBox 2">
+                  <a:extLst>
+                    <a:ext uri="{FF2B5EF4-FFF2-40B4-BE49-F238E27FC236}">
+                      <a16:creationId xmlns:a16="http://schemas.microsoft.com/office/drawing/2014/main" id="{6A807C5F-8F4B-0048-96CC-772B545995D0}"/>
+                    </a:ext>
+                  </a:extLst>
+                </p:cNvPr>
+                <p:cNvSpPr txBox="1">
+                  <a:spLocks noRot="1" noChangeAspect="1" noMove="1" noResize="1" noEditPoints="1" noAdjustHandles="1" noChangeArrowheads="1" noChangeShapeType="1" noTextEdit="1"/>
+                </p:cNvSpPr>
+                <p:nvPr/>
+              </p:nvSpPr>
+              <p:spPr>
+                <a:xfrm>
+                  <a:off x="4598056" y="2454403"/>
+                  <a:ext cx="431144" cy="288797"/>
+                </a:xfrm>
+                <a:prstGeom prst="rect">
+                  <a:avLst/>
+                </a:prstGeom>
+                <a:blipFill>
+                  <a:blip r:embed="rId7"/>
+                  <a:stretch>
+                    <a:fillRect l="-8571" t="-16667" r="-8571" b="-4167"/>
+                  </a:stretch>
+                </a:blipFill>
+              </p:spPr>
+              <p:txBody>
+                <a:bodyPr/>
+                <a:lstStyle/>
+                <a:p>
+                  <a:r>
+                    <a:rPr lang="en-US">
+                      <a:noFill/>
+                    </a:rPr>
+                    <a:t> </a:t>
+                  </a:r>
+                </a:p>
+              </p:txBody>
+            </p:sp>
+          </mc:Fallback>
+        </mc:AlternateContent>
+        <p:sp>
+          <p:nvSpPr>
+            <p:cNvPr id="13" name="TextBox 12">
+              <a:extLst>
+                <a:ext uri="{FF2B5EF4-FFF2-40B4-BE49-F238E27FC236}">
+                  <a16:creationId xmlns:a16="http://schemas.microsoft.com/office/drawing/2014/main" id="{8B66AAAB-38CF-854A-A9C8-1603EFC822ED}"/>
+                </a:ext>
+              </a:extLst>
+            </p:cNvPr>
+            <p:cNvSpPr txBox="1"/>
+            <p:nvPr/>
+          </p:nvSpPr>
+          <p:spPr>
+            <a:xfrm>
+              <a:off x="4945155" y="2256495"/>
+              <a:ext cx="322524" cy="584775"/>
+            </a:xfrm>
+            <a:prstGeom prst="rect">
+              <a:avLst/>
+            </a:prstGeom>
+            <a:noFill/>
+          </p:spPr>
+          <p:txBody>
+            <a:bodyPr wrap="none" rtlCol="0">
+              <a:spAutoFit/>
+            </a:bodyPr>
+            <a:lstStyle/>
+            <a:p>
+              <a:r>
+                <a:rPr lang="en-US" sz="3200" dirty="0"/>
+                <a:t>{</a:t>
+              </a:r>
+            </a:p>
+          </p:txBody>
+        </p:sp>
+        <mc:AlternateContent xmlns:mc="http://schemas.openxmlformats.org/markup-compatibility/2006">
+          <mc:Choice xmlns:a14="http://schemas.microsoft.com/office/drawing/2010/main" Requires="a14">
+            <p:sp>
+              <p:nvSpPr>
+                <p:cNvPr id="52" name="TextBox 51">
+                  <a:extLst>
+                    <a:ext uri="{FF2B5EF4-FFF2-40B4-BE49-F238E27FC236}">
+                      <a16:creationId xmlns:a16="http://schemas.microsoft.com/office/drawing/2014/main" id="{3BC3A54E-6658-724A-B916-D3925FFE3B00}"/>
+                    </a:ext>
+                  </a:extLst>
+                </p:cNvPr>
+                <p:cNvSpPr txBox="1"/>
+                <p:nvPr/>
+              </p:nvSpPr>
+              <p:spPr>
+                <a:xfrm>
+                  <a:off x="4648200" y="3651733"/>
+                  <a:ext cx="431144" cy="288797"/>
+                </a:xfrm>
+                <a:prstGeom prst="rect">
+                  <a:avLst/>
+                </a:prstGeom>
+                <a:noFill/>
+              </p:spPr>
+              <p:txBody>
+                <a:bodyPr wrap="none" lIns="0" tIns="0" rIns="0" bIns="0" rtlCol="0">
+                  <a:spAutoFit/>
+                </a:bodyPr>
+                <a:lstStyle/>
+                <a:p>
+                  <a14:m>
+                    <m:oMathPara xmlns:m="http://schemas.openxmlformats.org/officeDocument/2006/math">
+                      <m:oMathParaPr>
+                        <m:jc m:val="centerGroup"/>
+                      </m:oMathParaPr>
+                      <m:oMath xmlns:m="http://schemas.openxmlformats.org/officeDocument/2006/math">
+                        <m:sSup>
+                          <m:sSupPr>
+                            <m:ctrlPr>
+                              <a:rPr lang="en-US" b="0" i="1" smtClean="0">
+                                <a:latin typeface="Cambria Math" panose="02040503050406030204" pitchFamily="18" charset="0"/>
+                              </a:rPr>
+                            </m:ctrlPr>
+                          </m:sSupPr>
+                          <m:e>
+                            <m:acc>
+                              <m:accPr>
+                                <m:chr m:val="̂"/>
+                                <m:ctrlPr>
+                                  <a:rPr lang="en-US" b="0" i="1" smtClean="0">
+                                    <a:latin typeface="Cambria Math" panose="02040503050406030204" pitchFamily="18" charset="0"/>
+                                  </a:rPr>
+                                </m:ctrlPr>
+                              </m:accPr>
+                              <m:e>
+                                <m:r>
+                                  <a:rPr lang="en-US" b="0" i="1" smtClean="0">
+                                    <a:latin typeface="Cambria Math" panose="02040503050406030204" pitchFamily="18" charset="0"/>
+                                  </a:rPr>
+                                  <m:t>𝜃</m:t>
+                                </m:r>
+                              </m:e>
+                            </m:acc>
+                          </m:e>
+                          <m:sup>
+                            <m:r>
+                              <a:rPr lang="en-US" b="0" i="1" smtClean="0">
+                                <a:latin typeface="Cambria Math" panose="02040503050406030204" pitchFamily="18" charset="0"/>
+                              </a:rPr>
+                              <m:t>[2]</m:t>
+                            </m:r>
+                          </m:sup>
+                        </m:sSup>
+                      </m:oMath>
+                    </m:oMathPara>
+                  </a14:m>
+                  <a:endParaRPr lang="en-US" dirty="0"/>
+                </a:p>
+              </p:txBody>
+            </p:sp>
+          </mc:Choice>
+          <mc:Fallback>
+            <p:sp>
+              <p:nvSpPr>
+                <p:cNvPr id="52" name="TextBox 51">
+                  <a:extLst>
+                    <a:ext uri="{FF2B5EF4-FFF2-40B4-BE49-F238E27FC236}">
+                      <a16:creationId xmlns:a16="http://schemas.microsoft.com/office/drawing/2014/main" id="{3BC3A54E-6658-724A-B916-D3925FFE3B00}"/>
+                    </a:ext>
+                  </a:extLst>
+                </p:cNvPr>
+                <p:cNvSpPr txBox="1">
+                  <a:spLocks noRot="1" noChangeAspect="1" noMove="1" noResize="1" noEditPoints="1" noAdjustHandles="1" noChangeArrowheads="1" noChangeShapeType="1" noTextEdit="1"/>
+                </p:cNvSpPr>
+                <p:nvPr/>
+              </p:nvSpPr>
+              <p:spPr>
+                <a:xfrm>
+                  <a:off x="4648200" y="3651733"/>
+                  <a:ext cx="431144" cy="288797"/>
+                </a:xfrm>
+                <a:prstGeom prst="rect">
+                  <a:avLst/>
+                </a:prstGeom>
+                <a:blipFill>
+                  <a:blip r:embed="rId8"/>
+                  <a:stretch>
+                    <a:fillRect l="-8571" t="-27273" r="-8571" b="-9091"/>
+                  </a:stretch>
+                </a:blipFill>
+              </p:spPr>
+              <p:txBody>
+                <a:bodyPr/>
+                <a:lstStyle/>
+                <a:p>
+                  <a:r>
+                    <a:rPr lang="en-US">
+                      <a:noFill/>
+                    </a:rPr>
+                    <a:t> </a:t>
+                  </a:r>
+                </a:p>
+              </p:txBody>
+            </p:sp>
+          </mc:Fallback>
+        </mc:AlternateContent>
+        <p:sp>
+          <p:nvSpPr>
+            <p:cNvPr id="54" name="TextBox 53">
+              <a:extLst>
+                <a:ext uri="{FF2B5EF4-FFF2-40B4-BE49-F238E27FC236}">
+                  <a16:creationId xmlns:a16="http://schemas.microsoft.com/office/drawing/2014/main" id="{CFCA57CC-FCFB-C541-B613-EEB57B6F4C17}"/>
+                </a:ext>
+              </a:extLst>
+            </p:cNvPr>
+            <p:cNvSpPr txBox="1"/>
+            <p:nvPr/>
+          </p:nvSpPr>
+          <p:spPr>
+            <a:xfrm>
+              <a:off x="4995299" y="3453825"/>
+              <a:ext cx="322524" cy="584775"/>
+            </a:xfrm>
+            <a:prstGeom prst="rect">
+              <a:avLst/>
+            </a:prstGeom>
+            <a:noFill/>
+          </p:spPr>
+          <p:txBody>
+            <a:bodyPr wrap="none" rtlCol="0">
+              <a:spAutoFit/>
+            </a:bodyPr>
+            <a:lstStyle/>
+            <a:p>
+              <a:r>
+                <a:rPr lang="en-US" sz="3200" dirty="0"/>
+                <a:t>{</a:t>
+              </a:r>
+            </a:p>
+          </p:txBody>
+        </p:sp>
+        <mc:AlternateContent xmlns:mc="http://schemas.openxmlformats.org/markup-compatibility/2006">
+          <mc:Choice xmlns:a14="http://schemas.microsoft.com/office/drawing/2010/main" Requires="a14">
+            <p:sp>
+              <p:nvSpPr>
+                <p:cNvPr id="56" name="TextBox 55">
+                  <a:extLst>
+                    <a:ext uri="{FF2B5EF4-FFF2-40B4-BE49-F238E27FC236}">
+                      <a16:creationId xmlns:a16="http://schemas.microsoft.com/office/drawing/2014/main" id="{F53BF9B3-D87F-0E4C-BA95-544B7F30D8CC}"/>
+                    </a:ext>
+                  </a:extLst>
+                </p:cNvPr>
+                <p:cNvSpPr txBox="1"/>
+                <p:nvPr/>
+              </p:nvSpPr>
+              <p:spPr>
+                <a:xfrm>
+                  <a:off x="4664377" y="4947133"/>
+                  <a:ext cx="431144" cy="288797"/>
+                </a:xfrm>
+                <a:prstGeom prst="rect">
+                  <a:avLst/>
+                </a:prstGeom>
+                <a:noFill/>
+              </p:spPr>
+              <p:txBody>
+                <a:bodyPr wrap="none" lIns="0" tIns="0" rIns="0" bIns="0" rtlCol="0">
+                  <a:spAutoFit/>
+                </a:bodyPr>
+                <a:lstStyle/>
+                <a:p>
+                  <a14:m>
+                    <m:oMathPara xmlns:m="http://schemas.openxmlformats.org/officeDocument/2006/math">
+                      <m:oMathParaPr>
+                        <m:jc m:val="centerGroup"/>
+                      </m:oMathParaPr>
+                      <m:oMath xmlns:m="http://schemas.openxmlformats.org/officeDocument/2006/math">
+                        <m:sSup>
+                          <m:sSupPr>
+                            <m:ctrlPr>
+                              <a:rPr lang="en-US" b="0" i="1" smtClean="0">
+                                <a:latin typeface="Cambria Math" panose="02040503050406030204" pitchFamily="18" charset="0"/>
+                              </a:rPr>
+                            </m:ctrlPr>
+                          </m:sSupPr>
+                          <m:e>
+                            <m:acc>
+                              <m:accPr>
+                                <m:chr m:val="̂"/>
+                                <m:ctrlPr>
+                                  <a:rPr lang="en-US" b="0" i="1" smtClean="0">
+                                    <a:latin typeface="Cambria Math" panose="02040503050406030204" pitchFamily="18" charset="0"/>
+                                  </a:rPr>
+                                </m:ctrlPr>
+                              </m:accPr>
+                              <m:e>
+                                <m:r>
+                                  <a:rPr lang="en-US" b="0" i="1" smtClean="0">
+                                    <a:latin typeface="Cambria Math" panose="02040503050406030204" pitchFamily="18" charset="0"/>
+                                  </a:rPr>
+                                  <m:t>𝜃</m:t>
+                                </m:r>
+                              </m:e>
+                            </m:acc>
+                          </m:e>
+                          <m:sup>
+                            <m:r>
+                              <a:rPr lang="en-US" b="0" i="1" smtClean="0">
+                                <a:latin typeface="Cambria Math" panose="02040503050406030204" pitchFamily="18" charset="0"/>
+                              </a:rPr>
+                              <m:t>[3]</m:t>
+                            </m:r>
+                          </m:sup>
+                        </m:sSup>
+                      </m:oMath>
+                    </m:oMathPara>
+                  </a14:m>
+                  <a:endParaRPr lang="en-US" dirty="0"/>
+                </a:p>
+              </p:txBody>
+            </p:sp>
+          </mc:Choice>
+          <mc:Fallback>
+            <p:sp>
+              <p:nvSpPr>
+                <p:cNvPr id="56" name="TextBox 55">
+                  <a:extLst>
+                    <a:ext uri="{FF2B5EF4-FFF2-40B4-BE49-F238E27FC236}">
+                      <a16:creationId xmlns:a16="http://schemas.microsoft.com/office/drawing/2014/main" id="{F53BF9B3-D87F-0E4C-BA95-544B7F30D8CC}"/>
+                    </a:ext>
+                  </a:extLst>
+                </p:cNvPr>
+                <p:cNvSpPr txBox="1">
+                  <a:spLocks noRot="1" noChangeAspect="1" noMove="1" noResize="1" noEditPoints="1" noAdjustHandles="1" noChangeArrowheads="1" noChangeShapeType="1" noTextEdit="1"/>
+                </p:cNvSpPr>
+                <p:nvPr/>
+              </p:nvSpPr>
+              <p:spPr>
+                <a:xfrm>
+                  <a:off x="4664377" y="4947133"/>
+                  <a:ext cx="431144" cy="288797"/>
+                </a:xfrm>
+                <a:prstGeom prst="rect">
+                  <a:avLst/>
+                </a:prstGeom>
+                <a:blipFill>
+                  <a:blip r:embed="rId9"/>
+                  <a:stretch>
+                    <a:fillRect l="-8571" t="-21739" r="-8571" b="-4348"/>
+                  </a:stretch>
+                </a:blipFill>
+              </p:spPr>
+              <p:txBody>
+                <a:bodyPr/>
+                <a:lstStyle/>
+                <a:p>
+                  <a:r>
+                    <a:rPr lang="en-US">
+                      <a:noFill/>
+                    </a:rPr>
+                    <a:t> </a:t>
+                  </a:r>
+                </a:p>
+              </p:txBody>
+            </p:sp>
+          </mc:Fallback>
+        </mc:AlternateContent>
+        <p:sp>
+          <p:nvSpPr>
+            <p:cNvPr id="58" name="TextBox 57">
+              <a:extLst>
+                <a:ext uri="{FF2B5EF4-FFF2-40B4-BE49-F238E27FC236}">
+                  <a16:creationId xmlns:a16="http://schemas.microsoft.com/office/drawing/2014/main" id="{A908CE6B-58D0-4149-8F26-5650239F6ACA}"/>
+                </a:ext>
+              </a:extLst>
+            </p:cNvPr>
+            <p:cNvSpPr txBox="1"/>
+            <p:nvPr/>
+          </p:nvSpPr>
+          <p:spPr>
+            <a:xfrm>
+              <a:off x="5011476" y="4749225"/>
+              <a:ext cx="322524" cy="584775"/>
+            </a:xfrm>
+            <a:prstGeom prst="rect">
+              <a:avLst/>
+            </a:prstGeom>
+            <a:noFill/>
+          </p:spPr>
+          <p:txBody>
+            <a:bodyPr wrap="none" rtlCol="0">
+              <a:spAutoFit/>
+            </a:bodyPr>
+            <a:lstStyle/>
+            <a:p>
+              <a:r>
+                <a:rPr lang="en-US" sz="3200" dirty="0"/>
+                <a:t>{</a:t>
+              </a:r>
+            </a:p>
+          </p:txBody>
+        </p:sp>
+      </p:grpSp>
     </p:spTree>
     <p:extLst>
       <p:ext uri="{BB962C8B-B14F-4D97-AF65-F5344CB8AC3E}">
@@ -22101,7 +24188,7 @@
                                           </p:stCondLst>
                                         </p:cTn>
                                         <p:tgtEl>
-                                          <p:spTgt spid="53"/>
+                                          <p:spTgt spid="15"/>
                                         </p:tgtEl>
                                         <p:attrNameLst>
                                           <p:attrName>style.visibility</p:attrName>
@@ -22128,7 +24215,7 @@
                                           </p:stCondLst>
                                         </p:cTn>
                                         <p:tgtEl>
-                                          <p:spTgt spid="55"/>
+                                          <p:spTgt spid="53"/>
                                         </p:tgtEl>
                                         <p:attrNameLst>
                                           <p:attrName>style.visibility</p:attrName>
@@ -22155,6 +24242,33 @@
                                           </p:stCondLst>
                                         </p:cTn>
                                         <p:tgtEl>
+                                          <p:spTgt spid="55"/>
+                                        </p:tgtEl>
+                                        <p:attrNameLst>
+                                          <p:attrName>style.visibility</p:attrName>
+                                        </p:attrNameLst>
+                                      </p:cBhvr>
+                                      <p:to>
+                                        <p:strVal val="visible"/>
+                                      </p:to>
+                                    </p:set>
+                                  </p:childTnLst>
+                                </p:cTn>
+                              </p:par>
+                              <p:par>
+                                <p:cTn id="65" presetID="1" presetClass="entr" presetSubtype="0" fill="hold" nodeType="withEffect">
+                                  <p:stCondLst>
+                                    <p:cond delay="0"/>
+                                  </p:stCondLst>
+                                  <p:childTnLst>
+                                    <p:set>
+                                      <p:cBhvr>
+                                        <p:cTn id="66" dur="1" fill="hold">
+                                          <p:stCondLst>
+                                            <p:cond delay="0"/>
+                                          </p:stCondLst>
+                                        </p:cTn>
+                                        <p:tgtEl>
                                           <p:spTgt spid="57"/>
                                         </p:tgtEl>
                                         <p:attrNameLst>
@@ -22175,26 +24289,26 @@
                     </p:cTn>
                   </p:par>
                   <p:par>
-                    <p:cTn id="65" fill="hold">
+                    <p:cTn id="67" fill="hold">
                       <p:stCondLst>
                         <p:cond delay="indefinite"/>
                       </p:stCondLst>
                       <p:childTnLst>
                         <p:par>
-                          <p:cTn id="66" fill="hold">
+                          <p:cTn id="68" fill="hold">
                             <p:stCondLst>
                               <p:cond delay="0"/>
                             </p:stCondLst>
                             <p:childTnLst>
                               <p:par>
-                                <p:cTn id="67" presetID="1" presetClass="entr" presetSubtype="0" fill="hold" nodeType="clickEffect">
+                                <p:cTn id="69" presetID="1" presetClass="entr" presetSubtype="0" fill="hold" nodeType="clickEffect">
                                   <p:stCondLst>
                                     <p:cond delay="0"/>
                                   </p:stCondLst>
                                   <p:childTnLst>
                                     <p:set>
                                       <p:cBhvr>
-                                        <p:cTn id="68" dur="1" fill="hold">
+                                        <p:cTn id="70" dur="1" fill="hold">
                                           <p:stCondLst>
                                             <p:cond delay="0"/>
                                           </p:stCondLst>
@@ -22214,14 +24328,14 @@
                                 </p:cTn>
                               </p:par>
                               <p:par>
-                                <p:cTn id="69" presetID="1" presetClass="entr" presetSubtype="0" fill="hold" grpId="0" nodeType="withEffect">
+                                <p:cTn id="71" presetID="1" presetClass="entr" presetSubtype="0" fill="hold" grpId="0" nodeType="withEffect">
                                   <p:stCondLst>
                                     <p:cond delay="0"/>
                                   </p:stCondLst>
                                   <p:childTnLst>
                                     <p:set>
                                       <p:cBhvr>
-                                        <p:cTn id="70" dur="1" fill="hold">
+                                        <p:cTn id="72" dur="1" fill="hold">
                                           <p:stCondLst>
                                             <p:cond delay="0"/>
                                           </p:stCondLst>
@@ -22247,26 +24361,26 @@
                     </p:cTn>
                   </p:par>
                   <p:par>
-                    <p:cTn id="71" fill="hold">
+                    <p:cTn id="73" fill="hold">
                       <p:stCondLst>
                         <p:cond delay="indefinite"/>
                       </p:stCondLst>
                       <p:childTnLst>
                         <p:par>
-                          <p:cTn id="72" fill="hold">
+                          <p:cTn id="74" fill="hold">
                             <p:stCondLst>
                               <p:cond delay="0"/>
                             </p:stCondLst>
                             <p:childTnLst>
                               <p:par>
-                                <p:cTn id="73" presetID="1" presetClass="entr" presetSubtype="0" fill="hold" grpId="0" nodeType="clickEffect">
+                                <p:cTn id="75" presetID="1" presetClass="entr" presetSubtype="0" fill="hold" grpId="0" nodeType="clickEffect">
                                   <p:stCondLst>
                                     <p:cond delay="0"/>
                                   </p:stCondLst>
                                   <p:childTnLst>
                                     <p:set>
                                       <p:cBhvr>
-                                        <p:cTn id="74" dur="1" fill="hold">
+                                        <p:cTn id="76" dur="1" fill="hold">
                                           <p:stCondLst>
                                             <p:cond delay="0"/>
                                           </p:stCondLst>
@@ -22328,1313 +24442,6 @@
       <p:bldP spid="48" grpId="0"/>
       <p:bldP spid="51" grpId="0"/>
       <p:bldP spid="61" grpId="0" animBg="1"/>
-    </p:bldLst>
-  </p:timing>
-</p:sld>
-</file>
-
-<file path=ppt/slides/slide9.xml><?xml version="1.0" encoding="utf-8"?>
-<p:sld xmlns:a="http://schemas.openxmlformats.org/drawingml/2006/main" xmlns:r="http://schemas.openxmlformats.org/officeDocument/2006/relationships" xmlns:p="http://schemas.openxmlformats.org/presentationml/2006/main">
-  <p:cSld>
-    <p:spTree>
-      <p:nvGrpSpPr>
-        <p:cNvPr id="1" name=""/>
-        <p:cNvGrpSpPr/>
-        <p:nvPr/>
-      </p:nvGrpSpPr>
-      <p:grpSpPr>
-        <a:xfrm>
-          <a:off x="0" y="0"/>
-          <a:ext cx="0" cy="0"/>
-          <a:chOff x="0" y="0"/>
-          <a:chExt cx="0" cy="0"/>
-        </a:xfrm>
-      </p:grpSpPr>
-      <p:sp>
-        <p:nvSpPr>
-          <p:cNvPr id="2" name="Title 1">
-            <a:extLst>
-              <a:ext uri="{FF2B5EF4-FFF2-40B4-BE49-F238E27FC236}">
-                <a16:creationId xmlns:a16="http://schemas.microsoft.com/office/drawing/2014/main" id="{59F7161F-E395-F246-AEB5-727A7FF0601E}"/>
-              </a:ext>
-            </a:extLst>
-          </p:cNvPr>
-          <p:cNvSpPr>
-            <a:spLocks noGrp="1"/>
-          </p:cNvSpPr>
-          <p:nvPr>
-            <p:ph type="title"/>
-          </p:nvPr>
-        </p:nvSpPr>
-        <p:spPr/>
-        <p:txBody>
-          <a:bodyPr/>
-          <a:lstStyle/>
-          <a:p>
-            <a:r>
-              <a:rPr lang="en-US" dirty="0"/>
-              <a:t>Choosing Folds</a:t>
-            </a:r>
-            <a:br>
-              <a:rPr lang="en-US" dirty="0"/>
-            </a:br>
-            <a:r>
-              <a:rPr lang="en-US" i="1" dirty="0">
-                <a:solidFill>
-                  <a:srgbClr val="FF0000"/>
-                </a:solidFill>
-              </a:rPr>
-              <a:t>Choose Wisely</a:t>
-            </a:r>
-          </a:p>
-        </p:txBody>
-      </p:sp>
-      <p:sp>
-        <p:nvSpPr>
-          <p:cNvPr id="3" name="Slide Number Placeholder 2">
-            <a:extLst>
-              <a:ext uri="{FF2B5EF4-FFF2-40B4-BE49-F238E27FC236}">
-                <a16:creationId xmlns:a16="http://schemas.microsoft.com/office/drawing/2014/main" id="{A11E5270-6334-614A-890C-DE408B75222D}"/>
-              </a:ext>
-            </a:extLst>
-          </p:cNvPr>
-          <p:cNvSpPr>
-            <a:spLocks noGrp="1"/>
-          </p:cNvSpPr>
-          <p:nvPr>
-            <p:ph type="sldNum" sz="quarter" idx="11"/>
-          </p:nvPr>
-        </p:nvSpPr>
-        <p:spPr/>
-        <p:txBody>
-          <a:bodyPr/>
-          <a:lstStyle/>
-          <a:p>
-            <a:pPr>
-              <a:defRPr/>
-            </a:pPr>
-            <a:fld id="{2E4304A7-0FB2-4094-BC1E-DB17183AD0C1}" type="slidenum">
-              <a:rPr lang="en-US" altLang="x-none" smtClean="0"/>
-              <a:pPr>
-                <a:defRPr/>
-              </a:pPr>
-              <a:t>9</a:t>
-            </a:fld>
-            <a:endParaRPr lang="en-US" altLang="x-none"/>
-          </a:p>
-        </p:txBody>
-      </p:sp>
-      <p:pic>
-        <p:nvPicPr>
-          <p:cNvPr id="5" name="Picture 4">
-            <a:extLst>
-              <a:ext uri="{FF2B5EF4-FFF2-40B4-BE49-F238E27FC236}">
-                <a16:creationId xmlns:a16="http://schemas.microsoft.com/office/drawing/2014/main" id="{D1C09634-65DA-234B-8959-07BCB546D512}"/>
-              </a:ext>
-            </a:extLst>
-          </p:cNvPr>
-          <p:cNvPicPr>
-            <a:picLocks noChangeAspect="1"/>
-          </p:cNvPicPr>
-          <p:nvPr/>
-        </p:nvPicPr>
-        <p:blipFill>
-          <a:blip r:embed="rId2"/>
-          <a:stretch>
-            <a:fillRect/>
-          </a:stretch>
-        </p:blipFill>
-        <p:spPr>
-          <a:xfrm>
-            <a:off x="656072" y="1828800"/>
-            <a:ext cx="3902676" cy="2667000"/>
-          </a:xfrm>
-          <a:prstGeom prst="rect">
-            <a:avLst/>
-          </a:prstGeom>
-        </p:spPr>
-      </p:pic>
-      <p:pic>
-        <p:nvPicPr>
-          <p:cNvPr id="6" name="Picture 5">
-            <a:extLst>
-              <a:ext uri="{FF2B5EF4-FFF2-40B4-BE49-F238E27FC236}">
-                <a16:creationId xmlns:a16="http://schemas.microsoft.com/office/drawing/2014/main" id="{E1317725-7D84-264E-A094-261DE0F25E37}"/>
-              </a:ext>
-            </a:extLst>
-          </p:cNvPr>
-          <p:cNvPicPr>
-            <a:picLocks noChangeAspect="1"/>
-          </p:cNvPicPr>
-          <p:nvPr/>
-        </p:nvPicPr>
-        <p:blipFill>
-          <a:blip r:embed="rId2"/>
-          <a:stretch>
-            <a:fillRect/>
-          </a:stretch>
-        </p:blipFill>
-        <p:spPr>
-          <a:xfrm>
-            <a:off x="4784124" y="1981200"/>
-            <a:ext cx="3902676" cy="2667000"/>
-          </a:xfrm>
-          <a:prstGeom prst="rect">
-            <a:avLst/>
-          </a:prstGeom>
-        </p:spPr>
-      </p:pic>
-      <p:grpSp>
-        <p:nvGrpSpPr>
-          <p:cNvPr id="23" name="Group 22">
-            <a:extLst>
-              <a:ext uri="{FF2B5EF4-FFF2-40B4-BE49-F238E27FC236}">
-                <a16:creationId xmlns:a16="http://schemas.microsoft.com/office/drawing/2014/main" id="{B9F58C73-EA16-E042-80D6-A863B30B84CD}"/>
-              </a:ext>
-            </a:extLst>
-          </p:cNvPr>
-          <p:cNvGrpSpPr/>
-          <p:nvPr/>
-        </p:nvGrpSpPr>
-        <p:grpSpPr>
-          <a:xfrm>
-            <a:off x="1143000" y="1828800"/>
-            <a:ext cx="3429000" cy="2667000"/>
-            <a:chOff x="1143000" y="1828800"/>
-            <a:chExt cx="3429000" cy="2667000"/>
-          </a:xfrm>
-        </p:grpSpPr>
-        <p:sp>
-          <p:nvSpPr>
-            <p:cNvPr id="7" name="Rectangle 6">
-              <a:extLst>
-                <a:ext uri="{FF2B5EF4-FFF2-40B4-BE49-F238E27FC236}">
-                  <a16:creationId xmlns:a16="http://schemas.microsoft.com/office/drawing/2014/main" id="{5CBE86C8-BE3D-664A-B23A-E889D3A57C2A}"/>
-                </a:ext>
-              </a:extLst>
-            </p:cNvPr>
-            <p:cNvSpPr/>
-            <p:nvPr/>
-          </p:nvSpPr>
-          <p:spPr>
-            <a:xfrm>
-              <a:off x="1143000" y="1828800"/>
-              <a:ext cx="1143000" cy="2667000"/>
-            </a:xfrm>
-            <a:prstGeom prst="rect">
-              <a:avLst/>
-            </a:prstGeom>
-            <a:solidFill>
-              <a:schemeClr val="bg1">
-                <a:lumMod val="95000"/>
-                <a:alpha val="18000"/>
-              </a:schemeClr>
-            </a:solidFill>
-            <a:ln w="38100">
-              <a:solidFill>
-                <a:srgbClr val="FF0000"/>
-              </a:solidFill>
-            </a:ln>
-          </p:spPr>
-          <p:style>
-            <a:lnRef idx="1">
-              <a:schemeClr val="accent1"/>
-            </a:lnRef>
-            <a:fillRef idx="3">
-              <a:schemeClr val="accent1"/>
-            </a:fillRef>
-            <a:effectRef idx="2">
-              <a:schemeClr val="accent1"/>
-            </a:effectRef>
-            <a:fontRef idx="minor">
-              <a:schemeClr val="lt1"/>
-            </a:fontRef>
-          </p:style>
-          <p:txBody>
-            <a:bodyPr rtlCol="0" anchor="ctr"/>
-            <a:lstStyle/>
-            <a:p>
-              <a:pPr algn="ctr"/>
-              <a:endParaRPr lang="en-US"/>
-            </a:p>
-          </p:txBody>
-        </p:sp>
-        <p:sp>
-          <p:nvSpPr>
-            <p:cNvPr id="8" name="Rectangle 7">
-              <a:extLst>
-                <a:ext uri="{FF2B5EF4-FFF2-40B4-BE49-F238E27FC236}">
-                  <a16:creationId xmlns:a16="http://schemas.microsoft.com/office/drawing/2014/main" id="{8F507D8F-1324-334C-9E21-64A353F85C33}"/>
-                </a:ext>
-              </a:extLst>
-            </p:cNvPr>
-            <p:cNvSpPr/>
-            <p:nvPr/>
-          </p:nvSpPr>
-          <p:spPr>
-            <a:xfrm>
-              <a:off x="2286000" y="1828800"/>
-              <a:ext cx="1143000" cy="2667000"/>
-            </a:xfrm>
-            <a:prstGeom prst="rect">
-              <a:avLst/>
-            </a:prstGeom>
-            <a:solidFill>
-              <a:schemeClr val="bg1">
-                <a:lumMod val="95000"/>
-                <a:alpha val="18000"/>
-              </a:schemeClr>
-            </a:solidFill>
-            <a:ln w="38100">
-              <a:solidFill>
-                <a:srgbClr val="002060"/>
-              </a:solidFill>
-            </a:ln>
-          </p:spPr>
-          <p:style>
-            <a:lnRef idx="1">
-              <a:schemeClr val="accent1"/>
-            </a:lnRef>
-            <a:fillRef idx="3">
-              <a:schemeClr val="accent1"/>
-            </a:fillRef>
-            <a:effectRef idx="2">
-              <a:schemeClr val="accent1"/>
-            </a:effectRef>
-            <a:fontRef idx="minor">
-              <a:schemeClr val="lt1"/>
-            </a:fontRef>
-          </p:style>
-          <p:txBody>
-            <a:bodyPr rtlCol="0" anchor="ctr"/>
-            <a:lstStyle/>
-            <a:p>
-              <a:pPr algn="ctr"/>
-              <a:endParaRPr lang="en-US"/>
-            </a:p>
-          </p:txBody>
-        </p:sp>
-        <p:sp>
-          <p:nvSpPr>
-            <p:cNvPr id="9" name="Rectangle 8">
-              <a:extLst>
-                <a:ext uri="{FF2B5EF4-FFF2-40B4-BE49-F238E27FC236}">
-                  <a16:creationId xmlns:a16="http://schemas.microsoft.com/office/drawing/2014/main" id="{27C4E335-D38F-BA48-BA7C-5E7A45F45AE8}"/>
-                </a:ext>
-              </a:extLst>
-            </p:cNvPr>
-            <p:cNvSpPr/>
-            <p:nvPr/>
-          </p:nvSpPr>
-          <p:spPr>
-            <a:xfrm>
-              <a:off x="3429000" y="1828800"/>
-              <a:ext cx="1143000" cy="2667000"/>
-            </a:xfrm>
-            <a:prstGeom prst="rect">
-              <a:avLst/>
-            </a:prstGeom>
-            <a:solidFill>
-              <a:schemeClr val="bg1">
-                <a:lumMod val="95000"/>
-                <a:alpha val="18000"/>
-              </a:schemeClr>
-            </a:solidFill>
-            <a:ln w="38100">
-              <a:solidFill>
-                <a:srgbClr val="C00000"/>
-              </a:solidFill>
-            </a:ln>
-          </p:spPr>
-          <p:style>
-            <a:lnRef idx="1">
-              <a:schemeClr val="accent1"/>
-            </a:lnRef>
-            <a:fillRef idx="3">
-              <a:schemeClr val="accent1"/>
-            </a:fillRef>
-            <a:effectRef idx="2">
-              <a:schemeClr val="accent1"/>
-            </a:effectRef>
-            <a:fontRef idx="minor">
-              <a:schemeClr val="lt1"/>
-            </a:fontRef>
-          </p:style>
-          <p:txBody>
-            <a:bodyPr rtlCol="0" anchor="ctr"/>
-            <a:lstStyle/>
-            <a:p>
-              <a:pPr algn="ctr"/>
-              <a:endParaRPr lang="en-US"/>
-            </a:p>
-          </p:txBody>
-        </p:sp>
-      </p:grpSp>
-      <p:grpSp>
-        <p:nvGrpSpPr>
-          <p:cNvPr id="24" name="Group 23">
-            <a:extLst>
-              <a:ext uri="{FF2B5EF4-FFF2-40B4-BE49-F238E27FC236}">
-                <a16:creationId xmlns:a16="http://schemas.microsoft.com/office/drawing/2014/main" id="{5DBF59AA-0121-9448-8C86-4EEA5B9F9E09}"/>
-              </a:ext>
-            </a:extLst>
-          </p:cNvPr>
-          <p:cNvGrpSpPr/>
-          <p:nvPr/>
-        </p:nvGrpSpPr>
-        <p:grpSpPr>
-          <a:xfrm>
-            <a:off x="5257800" y="1828800"/>
-            <a:ext cx="3429000" cy="2667000"/>
-            <a:chOff x="5257800" y="1828800"/>
-            <a:chExt cx="3429000" cy="2667000"/>
-          </a:xfrm>
-        </p:grpSpPr>
-        <p:sp>
-          <p:nvSpPr>
-            <p:cNvPr id="10" name="Rectangle 9">
-              <a:extLst>
-                <a:ext uri="{FF2B5EF4-FFF2-40B4-BE49-F238E27FC236}">
-                  <a16:creationId xmlns:a16="http://schemas.microsoft.com/office/drawing/2014/main" id="{5FD0C70D-A825-F646-A18C-5CADEF440D2A}"/>
-                </a:ext>
-              </a:extLst>
-            </p:cNvPr>
-            <p:cNvSpPr/>
-            <p:nvPr/>
-          </p:nvSpPr>
-          <p:spPr>
-            <a:xfrm>
-              <a:off x="5257800" y="1828800"/>
-              <a:ext cx="381000" cy="2667000"/>
-            </a:xfrm>
-            <a:prstGeom prst="rect">
-              <a:avLst/>
-            </a:prstGeom>
-            <a:solidFill>
-              <a:schemeClr val="bg1">
-                <a:lumMod val="95000"/>
-                <a:alpha val="18000"/>
-              </a:schemeClr>
-            </a:solidFill>
-            <a:ln w="38100">
-              <a:solidFill>
-                <a:srgbClr val="FF0000"/>
-              </a:solidFill>
-            </a:ln>
-          </p:spPr>
-          <p:style>
-            <a:lnRef idx="1">
-              <a:schemeClr val="accent1"/>
-            </a:lnRef>
-            <a:fillRef idx="3">
-              <a:schemeClr val="accent1"/>
-            </a:fillRef>
-            <a:effectRef idx="2">
-              <a:schemeClr val="accent1"/>
-            </a:effectRef>
-            <a:fontRef idx="minor">
-              <a:schemeClr val="lt1"/>
-            </a:fontRef>
-          </p:style>
-          <p:txBody>
-            <a:bodyPr rtlCol="0" anchor="ctr"/>
-            <a:lstStyle/>
-            <a:p>
-              <a:pPr algn="ctr"/>
-              <a:endParaRPr lang="en-US"/>
-            </a:p>
-          </p:txBody>
-        </p:sp>
-        <p:sp>
-          <p:nvSpPr>
-            <p:cNvPr id="13" name="Rectangle 12">
-              <a:extLst>
-                <a:ext uri="{FF2B5EF4-FFF2-40B4-BE49-F238E27FC236}">
-                  <a16:creationId xmlns:a16="http://schemas.microsoft.com/office/drawing/2014/main" id="{D02DFDC3-FE29-CD4F-A46E-D5D6383AF493}"/>
-                </a:ext>
-              </a:extLst>
-            </p:cNvPr>
-            <p:cNvSpPr/>
-            <p:nvPr/>
-          </p:nvSpPr>
-          <p:spPr>
-            <a:xfrm>
-              <a:off x="5638800" y="1828800"/>
-              <a:ext cx="381000" cy="2667000"/>
-            </a:xfrm>
-            <a:prstGeom prst="rect">
-              <a:avLst/>
-            </a:prstGeom>
-            <a:solidFill>
-              <a:schemeClr val="bg1">
-                <a:lumMod val="95000"/>
-                <a:alpha val="18000"/>
-              </a:schemeClr>
-            </a:solidFill>
-            <a:ln w="38100">
-              <a:solidFill>
-                <a:srgbClr val="002060"/>
-              </a:solidFill>
-            </a:ln>
-          </p:spPr>
-          <p:style>
-            <a:lnRef idx="1">
-              <a:schemeClr val="accent1"/>
-            </a:lnRef>
-            <a:fillRef idx="3">
-              <a:schemeClr val="accent1"/>
-            </a:fillRef>
-            <a:effectRef idx="2">
-              <a:schemeClr val="accent1"/>
-            </a:effectRef>
-            <a:fontRef idx="minor">
-              <a:schemeClr val="lt1"/>
-            </a:fontRef>
-          </p:style>
-          <p:txBody>
-            <a:bodyPr rtlCol="0" anchor="ctr"/>
-            <a:lstStyle/>
-            <a:p>
-              <a:pPr algn="ctr"/>
-              <a:endParaRPr lang="en-US"/>
-            </a:p>
-          </p:txBody>
-        </p:sp>
-        <p:sp>
-          <p:nvSpPr>
-            <p:cNvPr id="14" name="Rectangle 13">
-              <a:extLst>
-                <a:ext uri="{FF2B5EF4-FFF2-40B4-BE49-F238E27FC236}">
-                  <a16:creationId xmlns:a16="http://schemas.microsoft.com/office/drawing/2014/main" id="{242E2F08-4D33-6740-8D3B-C4316D51DD07}"/>
-                </a:ext>
-              </a:extLst>
-            </p:cNvPr>
-            <p:cNvSpPr/>
-            <p:nvPr/>
-          </p:nvSpPr>
-          <p:spPr>
-            <a:xfrm>
-              <a:off x="6019800" y="1828800"/>
-              <a:ext cx="381000" cy="2667000"/>
-            </a:xfrm>
-            <a:prstGeom prst="rect">
-              <a:avLst/>
-            </a:prstGeom>
-            <a:solidFill>
-              <a:schemeClr val="bg1">
-                <a:lumMod val="95000"/>
-                <a:alpha val="18000"/>
-              </a:schemeClr>
-            </a:solidFill>
-            <a:ln w="38100">
-              <a:solidFill>
-                <a:srgbClr val="C00000"/>
-              </a:solidFill>
-            </a:ln>
-          </p:spPr>
-          <p:style>
-            <a:lnRef idx="1">
-              <a:schemeClr val="accent1"/>
-            </a:lnRef>
-            <a:fillRef idx="3">
-              <a:schemeClr val="accent1"/>
-            </a:fillRef>
-            <a:effectRef idx="2">
-              <a:schemeClr val="accent1"/>
-            </a:effectRef>
-            <a:fontRef idx="minor">
-              <a:schemeClr val="lt1"/>
-            </a:fontRef>
-          </p:style>
-          <p:txBody>
-            <a:bodyPr rtlCol="0" anchor="ctr"/>
-            <a:lstStyle/>
-            <a:p>
-              <a:pPr algn="ctr"/>
-              <a:endParaRPr lang="en-US"/>
-            </a:p>
-          </p:txBody>
-        </p:sp>
-        <p:sp>
-          <p:nvSpPr>
-            <p:cNvPr id="15" name="Rectangle 14">
-              <a:extLst>
-                <a:ext uri="{FF2B5EF4-FFF2-40B4-BE49-F238E27FC236}">
-                  <a16:creationId xmlns:a16="http://schemas.microsoft.com/office/drawing/2014/main" id="{DC5E7FE3-C7CD-814F-A0A3-CA5D3F1D525D}"/>
-                </a:ext>
-              </a:extLst>
-            </p:cNvPr>
-            <p:cNvSpPr/>
-            <p:nvPr/>
-          </p:nvSpPr>
-          <p:spPr>
-            <a:xfrm>
-              <a:off x="6400800" y="1828800"/>
-              <a:ext cx="381000" cy="2667000"/>
-            </a:xfrm>
-            <a:prstGeom prst="rect">
-              <a:avLst/>
-            </a:prstGeom>
-            <a:solidFill>
-              <a:schemeClr val="bg1">
-                <a:lumMod val="95000"/>
-                <a:alpha val="18000"/>
-              </a:schemeClr>
-            </a:solidFill>
-            <a:ln w="38100">
-              <a:solidFill>
-                <a:srgbClr val="FF0000"/>
-              </a:solidFill>
-            </a:ln>
-          </p:spPr>
-          <p:style>
-            <a:lnRef idx="1">
-              <a:schemeClr val="accent1"/>
-            </a:lnRef>
-            <a:fillRef idx="3">
-              <a:schemeClr val="accent1"/>
-            </a:fillRef>
-            <a:effectRef idx="2">
-              <a:schemeClr val="accent1"/>
-            </a:effectRef>
-            <a:fontRef idx="minor">
-              <a:schemeClr val="lt1"/>
-            </a:fontRef>
-          </p:style>
-          <p:txBody>
-            <a:bodyPr rtlCol="0" anchor="ctr"/>
-            <a:lstStyle/>
-            <a:p>
-              <a:pPr algn="ctr"/>
-              <a:endParaRPr lang="en-US"/>
-            </a:p>
-          </p:txBody>
-        </p:sp>
-        <p:sp>
-          <p:nvSpPr>
-            <p:cNvPr id="16" name="Rectangle 15">
-              <a:extLst>
-                <a:ext uri="{FF2B5EF4-FFF2-40B4-BE49-F238E27FC236}">
-                  <a16:creationId xmlns:a16="http://schemas.microsoft.com/office/drawing/2014/main" id="{C6320C96-09ED-7940-8EA5-9987B05EC932}"/>
-                </a:ext>
-              </a:extLst>
-            </p:cNvPr>
-            <p:cNvSpPr/>
-            <p:nvPr/>
-          </p:nvSpPr>
-          <p:spPr>
-            <a:xfrm>
-              <a:off x="6781800" y="1828800"/>
-              <a:ext cx="381000" cy="2667000"/>
-            </a:xfrm>
-            <a:prstGeom prst="rect">
-              <a:avLst/>
-            </a:prstGeom>
-            <a:solidFill>
-              <a:schemeClr val="bg1">
-                <a:lumMod val="95000"/>
-                <a:alpha val="18000"/>
-              </a:schemeClr>
-            </a:solidFill>
-            <a:ln w="38100">
-              <a:solidFill>
-                <a:srgbClr val="002060"/>
-              </a:solidFill>
-            </a:ln>
-          </p:spPr>
-          <p:style>
-            <a:lnRef idx="1">
-              <a:schemeClr val="accent1"/>
-            </a:lnRef>
-            <a:fillRef idx="3">
-              <a:schemeClr val="accent1"/>
-            </a:fillRef>
-            <a:effectRef idx="2">
-              <a:schemeClr val="accent1"/>
-            </a:effectRef>
-            <a:fontRef idx="minor">
-              <a:schemeClr val="lt1"/>
-            </a:fontRef>
-          </p:style>
-          <p:txBody>
-            <a:bodyPr rtlCol="0" anchor="ctr"/>
-            <a:lstStyle/>
-            <a:p>
-              <a:pPr algn="ctr"/>
-              <a:endParaRPr lang="en-US"/>
-            </a:p>
-          </p:txBody>
-        </p:sp>
-        <p:sp>
-          <p:nvSpPr>
-            <p:cNvPr id="17" name="Rectangle 16">
-              <a:extLst>
-                <a:ext uri="{FF2B5EF4-FFF2-40B4-BE49-F238E27FC236}">
-                  <a16:creationId xmlns:a16="http://schemas.microsoft.com/office/drawing/2014/main" id="{DE77BCB7-C277-0742-8E36-E80B2901A6E3}"/>
-                </a:ext>
-              </a:extLst>
-            </p:cNvPr>
-            <p:cNvSpPr/>
-            <p:nvPr/>
-          </p:nvSpPr>
-          <p:spPr>
-            <a:xfrm>
-              <a:off x="7162800" y="1828800"/>
-              <a:ext cx="381000" cy="2667000"/>
-            </a:xfrm>
-            <a:prstGeom prst="rect">
-              <a:avLst/>
-            </a:prstGeom>
-            <a:solidFill>
-              <a:schemeClr val="bg1">
-                <a:lumMod val="95000"/>
-                <a:alpha val="18000"/>
-              </a:schemeClr>
-            </a:solidFill>
-            <a:ln w="38100">
-              <a:solidFill>
-                <a:srgbClr val="C00000"/>
-              </a:solidFill>
-            </a:ln>
-          </p:spPr>
-          <p:style>
-            <a:lnRef idx="1">
-              <a:schemeClr val="accent1"/>
-            </a:lnRef>
-            <a:fillRef idx="3">
-              <a:schemeClr val="accent1"/>
-            </a:fillRef>
-            <a:effectRef idx="2">
-              <a:schemeClr val="accent1"/>
-            </a:effectRef>
-            <a:fontRef idx="minor">
-              <a:schemeClr val="lt1"/>
-            </a:fontRef>
-          </p:style>
-          <p:txBody>
-            <a:bodyPr rtlCol="0" anchor="ctr"/>
-            <a:lstStyle/>
-            <a:p>
-              <a:pPr algn="ctr"/>
-              <a:endParaRPr lang="en-US"/>
-            </a:p>
-          </p:txBody>
-        </p:sp>
-        <p:sp>
-          <p:nvSpPr>
-            <p:cNvPr id="18" name="Rectangle 17">
-              <a:extLst>
-                <a:ext uri="{FF2B5EF4-FFF2-40B4-BE49-F238E27FC236}">
-                  <a16:creationId xmlns:a16="http://schemas.microsoft.com/office/drawing/2014/main" id="{48EAC6E5-D0A5-E347-BACC-CE0D67C0FCE8}"/>
-                </a:ext>
-              </a:extLst>
-            </p:cNvPr>
-            <p:cNvSpPr/>
-            <p:nvPr/>
-          </p:nvSpPr>
-          <p:spPr>
-            <a:xfrm>
-              <a:off x="7543800" y="1828800"/>
-              <a:ext cx="381000" cy="2667000"/>
-            </a:xfrm>
-            <a:prstGeom prst="rect">
-              <a:avLst/>
-            </a:prstGeom>
-            <a:solidFill>
-              <a:schemeClr val="bg1">
-                <a:lumMod val="95000"/>
-                <a:alpha val="18000"/>
-              </a:schemeClr>
-            </a:solidFill>
-            <a:ln w="38100">
-              <a:solidFill>
-                <a:srgbClr val="FF0000"/>
-              </a:solidFill>
-            </a:ln>
-          </p:spPr>
-          <p:style>
-            <a:lnRef idx="1">
-              <a:schemeClr val="accent1"/>
-            </a:lnRef>
-            <a:fillRef idx="3">
-              <a:schemeClr val="accent1"/>
-            </a:fillRef>
-            <a:effectRef idx="2">
-              <a:schemeClr val="accent1"/>
-            </a:effectRef>
-            <a:fontRef idx="minor">
-              <a:schemeClr val="lt1"/>
-            </a:fontRef>
-          </p:style>
-          <p:txBody>
-            <a:bodyPr rtlCol="0" anchor="ctr"/>
-            <a:lstStyle/>
-            <a:p>
-              <a:pPr algn="ctr"/>
-              <a:endParaRPr lang="en-US"/>
-            </a:p>
-          </p:txBody>
-        </p:sp>
-        <p:sp>
-          <p:nvSpPr>
-            <p:cNvPr id="19" name="Rectangle 18">
-              <a:extLst>
-                <a:ext uri="{FF2B5EF4-FFF2-40B4-BE49-F238E27FC236}">
-                  <a16:creationId xmlns:a16="http://schemas.microsoft.com/office/drawing/2014/main" id="{DDB16822-2BB7-F74E-A2CC-1398A92B0AEC}"/>
-                </a:ext>
-              </a:extLst>
-            </p:cNvPr>
-            <p:cNvSpPr/>
-            <p:nvPr/>
-          </p:nvSpPr>
-          <p:spPr>
-            <a:xfrm>
-              <a:off x="7924800" y="1828800"/>
-              <a:ext cx="381000" cy="2667000"/>
-            </a:xfrm>
-            <a:prstGeom prst="rect">
-              <a:avLst/>
-            </a:prstGeom>
-            <a:solidFill>
-              <a:schemeClr val="bg1">
-                <a:lumMod val="95000"/>
-                <a:alpha val="18000"/>
-              </a:schemeClr>
-            </a:solidFill>
-            <a:ln w="38100">
-              <a:solidFill>
-                <a:srgbClr val="002060"/>
-              </a:solidFill>
-            </a:ln>
-          </p:spPr>
-          <p:style>
-            <a:lnRef idx="1">
-              <a:schemeClr val="accent1"/>
-            </a:lnRef>
-            <a:fillRef idx="3">
-              <a:schemeClr val="accent1"/>
-            </a:fillRef>
-            <a:effectRef idx="2">
-              <a:schemeClr val="accent1"/>
-            </a:effectRef>
-            <a:fontRef idx="minor">
-              <a:schemeClr val="lt1"/>
-            </a:fontRef>
-          </p:style>
-          <p:txBody>
-            <a:bodyPr rtlCol="0" anchor="ctr"/>
-            <a:lstStyle/>
-            <a:p>
-              <a:pPr algn="ctr"/>
-              <a:endParaRPr lang="en-US"/>
-            </a:p>
-          </p:txBody>
-        </p:sp>
-        <p:sp>
-          <p:nvSpPr>
-            <p:cNvPr id="20" name="Rectangle 19">
-              <a:extLst>
-                <a:ext uri="{FF2B5EF4-FFF2-40B4-BE49-F238E27FC236}">
-                  <a16:creationId xmlns:a16="http://schemas.microsoft.com/office/drawing/2014/main" id="{9395F44C-0A9D-FD41-BD4D-D4240371A962}"/>
-                </a:ext>
-              </a:extLst>
-            </p:cNvPr>
-            <p:cNvSpPr/>
-            <p:nvPr/>
-          </p:nvSpPr>
-          <p:spPr>
-            <a:xfrm>
-              <a:off x="8305800" y="1828800"/>
-              <a:ext cx="381000" cy="2667000"/>
-            </a:xfrm>
-            <a:prstGeom prst="rect">
-              <a:avLst/>
-            </a:prstGeom>
-            <a:solidFill>
-              <a:schemeClr val="bg1">
-                <a:lumMod val="95000"/>
-                <a:alpha val="18000"/>
-              </a:schemeClr>
-            </a:solidFill>
-            <a:ln w="38100">
-              <a:solidFill>
-                <a:srgbClr val="C00000"/>
-              </a:solidFill>
-            </a:ln>
-          </p:spPr>
-          <p:style>
-            <a:lnRef idx="1">
-              <a:schemeClr val="accent1"/>
-            </a:lnRef>
-            <a:fillRef idx="3">
-              <a:schemeClr val="accent1"/>
-            </a:fillRef>
-            <a:effectRef idx="2">
-              <a:schemeClr val="accent1"/>
-            </a:effectRef>
-            <a:fontRef idx="minor">
-              <a:schemeClr val="lt1"/>
-            </a:fontRef>
-          </p:style>
-          <p:txBody>
-            <a:bodyPr rtlCol="0" anchor="ctr"/>
-            <a:lstStyle/>
-            <a:p>
-              <a:pPr algn="ctr"/>
-              <a:endParaRPr lang="en-US"/>
-            </a:p>
-          </p:txBody>
-        </p:sp>
-      </p:grpSp>
-      <p:sp>
-        <p:nvSpPr>
-          <p:cNvPr id="21" name="TextBox 20">
-            <a:extLst>
-              <a:ext uri="{FF2B5EF4-FFF2-40B4-BE49-F238E27FC236}">
-                <a16:creationId xmlns:a16="http://schemas.microsoft.com/office/drawing/2014/main" id="{648D73D3-F404-D647-8395-7E7953126300}"/>
-              </a:ext>
-            </a:extLst>
-          </p:cNvPr>
-          <p:cNvSpPr txBox="1"/>
-          <p:nvPr/>
-        </p:nvSpPr>
-        <p:spPr>
-          <a:xfrm>
-            <a:off x="914489" y="4800600"/>
-            <a:ext cx="4267111" cy="646331"/>
-          </a:xfrm>
-          <a:prstGeom prst="rect">
-            <a:avLst/>
-          </a:prstGeom>
-          <a:noFill/>
-        </p:spPr>
-        <p:txBody>
-          <a:bodyPr wrap="square" rtlCol="0">
-            <a:spAutoFit/>
-          </a:bodyPr>
-          <a:lstStyle/>
-          <a:p>
-            <a:r>
-              <a:rPr lang="en-US" dirty="0"/>
-              <a:t>Folds have very different functional characteristics</a:t>
-            </a:r>
-          </a:p>
-        </p:txBody>
-      </p:sp>
-      <p:sp>
-        <p:nvSpPr>
-          <p:cNvPr id="22" name="TextBox 21">
-            <a:extLst>
-              <a:ext uri="{FF2B5EF4-FFF2-40B4-BE49-F238E27FC236}">
-                <a16:creationId xmlns:a16="http://schemas.microsoft.com/office/drawing/2014/main" id="{4E2F24FF-18C1-8142-91C6-7E4E833586B6}"/>
-              </a:ext>
-            </a:extLst>
-          </p:cNvPr>
-          <p:cNvSpPr txBox="1"/>
-          <p:nvPr/>
-        </p:nvSpPr>
-        <p:spPr>
-          <a:xfrm>
-            <a:off x="5105444" y="4800600"/>
-            <a:ext cx="3657556" cy="646331"/>
-          </a:xfrm>
-          <a:prstGeom prst="rect">
-            <a:avLst/>
-          </a:prstGeom>
-          <a:noFill/>
-        </p:spPr>
-        <p:txBody>
-          <a:bodyPr wrap="square" rtlCol="0">
-            <a:spAutoFit/>
-          </a:bodyPr>
-          <a:lstStyle/>
-          <a:p>
-            <a:r>
-              <a:rPr lang="en-US" dirty="0"/>
-              <a:t>Folds have similar functional characteristics</a:t>
-            </a:r>
-          </a:p>
-        </p:txBody>
-      </p:sp>
-      <p:sp>
-        <p:nvSpPr>
-          <p:cNvPr id="4" name="TextBox 3">
-            <a:extLst>
-              <a:ext uri="{FF2B5EF4-FFF2-40B4-BE49-F238E27FC236}">
-                <a16:creationId xmlns:a16="http://schemas.microsoft.com/office/drawing/2014/main" id="{5EAF785A-78A4-EA41-9C66-30BF049D29C6}"/>
-              </a:ext>
-            </a:extLst>
-          </p:cNvPr>
-          <p:cNvSpPr txBox="1"/>
-          <p:nvPr/>
-        </p:nvSpPr>
-        <p:spPr>
-          <a:xfrm>
-            <a:off x="1524000" y="777419"/>
-            <a:ext cx="1371600" cy="4708981"/>
-          </a:xfrm>
-          <a:prstGeom prst="rect">
-            <a:avLst/>
-          </a:prstGeom>
-          <a:noFill/>
-        </p:spPr>
-        <p:txBody>
-          <a:bodyPr wrap="square" rtlCol="0">
-            <a:spAutoFit/>
-          </a:bodyPr>
-          <a:lstStyle/>
-          <a:p>
-            <a:r>
-              <a:rPr lang="en-US" sz="30000" dirty="0">
-                <a:solidFill>
-                  <a:srgbClr val="FF0000"/>
-                </a:solidFill>
-              </a:rPr>
-              <a:t>X</a:t>
-            </a:r>
-          </a:p>
-        </p:txBody>
-      </p:sp>
-    </p:spTree>
-    <p:extLst>
-      <p:ext uri="{BB962C8B-B14F-4D97-AF65-F5344CB8AC3E}">
-        <p14:creationId xmlns:p14="http://schemas.microsoft.com/office/powerpoint/2010/main" val="1659781518"/>
-      </p:ext>
-    </p:extLst>
-  </p:cSld>
-  <p:clrMapOvr>
-    <a:masterClrMapping/>
-  </p:clrMapOvr>
-  <p:timing>
-    <p:tnLst>
-      <p:par>
-        <p:cTn id="1" dur="indefinite" restart="never" nodeType="tmRoot">
-          <p:childTnLst>
-            <p:seq concurrent="1" nextAc="seek">
-              <p:cTn id="2" dur="indefinite" nodeType="mainSeq">
-                <p:childTnLst>
-                  <p:par>
-                    <p:cTn id="3" fill="hold">
-                      <p:stCondLst>
-                        <p:cond delay="indefinite"/>
-                      </p:stCondLst>
-                      <p:childTnLst>
-                        <p:par>
-                          <p:cTn id="4" fill="hold">
-                            <p:stCondLst>
-                              <p:cond delay="0"/>
-                            </p:stCondLst>
-                            <p:childTnLst>
-                              <p:par>
-                                <p:cTn id="5" presetID="1" presetClass="entr" presetSubtype="0" fill="hold" nodeType="clickEffect">
-                                  <p:stCondLst>
-                                    <p:cond delay="0"/>
-                                  </p:stCondLst>
-                                  <p:childTnLst>
-                                    <p:set>
-                                      <p:cBhvr>
-                                        <p:cTn id="6" dur="1" fill="hold">
-                                          <p:stCondLst>
-                                            <p:cond delay="0"/>
-                                          </p:stCondLst>
-                                        </p:cTn>
-                                        <p:tgtEl>
-                                          <p:spTgt spid="5"/>
-                                        </p:tgtEl>
-                                        <p:attrNameLst>
-                                          <p:attrName>style.visibility</p:attrName>
-                                        </p:attrNameLst>
-                                      </p:cBhvr>
-                                      <p:to>
-                                        <p:strVal val="visible"/>
-                                      </p:to>
-                                    </p:set>
-                                  </p:childTnLst>
-                                </p:cTn>
-                              </p:par>
-                            </p:childTnLst>
-                          </p:cTn>
-                        </p:par>
-                      </p:childTnLst>
-                    </p:cTn>
-                  </p:par>
-                  <p:par>
-                    <p:cTn id="7" fill="hold">
-                      <p:stCondLst>
-                        <p:cond delay="indefinite"/>
-                      </p:stCondLst>
-                      <p:childTnLst>
-                        <p:par>
-                          <p:cTn id="8" fill="hold">
-                            <p:stCondLst>
-                              <p:cond delay="0"/>
-                            </p:stCondLst>
-                            <p:childTnLst>
-                              <p:par>
-                                <p:cTn id="9" presetID="1" presetClass="entr" presetSubtype="0" fill="hold" nodeType="clickEffect">
-                                  <p:stCondLst>
-                                    <p:cond delay="0"/>
-                                  </p:stCondLst>
-                                  <p:childTnLst>
-                                    <p:set>
-                                      <p:cBhvr>
-                                        <p:cTn id="10" dur="1" fill="hold">
-                                          <p:stCondLst>
-                                            <p:cond delay="0"/>
-                                          </p:stCondLst>
-                                        </p:cTn>
-                                        <p:tgtEl>
-                                          <p:spTgt spid="23"/>
-                                        </p:tgtEl>
-                                        <p:attrNameLst>
-                                          <p:attrName>style.visibility</p:attrName>
-                                        </p:attrNameLst>
-                                      </p:cBhvr>
-                                      <p:to>
-                                        <p:strVal val="visible"/>
-                                      </p:to>
-                                    </p:set>
-                                  </p:childTnLst>
-                                </p:cTn>
-                              </p:par>
-                            </p:childTnLst>
-                          </p:cTn>
-                        </p:par>
-                      </p:childTnLst>
-                    </p:cTn>
-                  </p:par>
-                  <p:par>
-                    <p:cTn id="11" fill="hold">
-                      <p:stCondLst>
-                        <p:cond delay="indefinite"/>
-                      </p:stCondLst>
-                      <p:childTnLst>
-                        <p:par>
-                          <p:cTn id="12" fill="hold">
-                            <p:stCondLst>
-                              <p:cond delay="0"/>
-                            </p:stCondLst>
-                            <p:childTnLst>
-                              <p:par>
-                                <p:cTn id="13" presetID="1" presetClass="entr" presetSubtype="0" fill="hold" grpId="0" nodeType="clickEffect">
-                                  <p:stCondLst>
-                                    <p:cond delay="0"/>
-                                  </p:stCondLst>
-                                  <p:childTnLst>
-                                    <p:set>
-                                      <p:cBhvr>
-                                        <p:cTn id="14" dur="1" fill="hold">
-                                          <p:stCondLst>
-                                            <p:cond delay="0"/>
-                                          </p:stCondLst>
-                                        </p:cTn>
-                                        <p:tgtEl>
-                                          <p:spTgt spid="21"/>
-                                        </p:tgtEl>
-                                        <p:attrNameLst>
-                                          <p:attrName>style.visibility</p:attrName>
-                                        </p:attrNameLst>
-                                      </p:cBhvr>
-                                      <p:to>
-                                        <p:strVal val="visible"/>
-                                      </p:to>
-                                    </p:set>
-                                  </p:childTnLst>
-                                </p:cTn>
-                              </p:par>
-                              <p:par>
-                                <p:cTn id="15" presetID="1" presetClass="entr" presetSubtype="0" fill="hold" grpId="0" nodeType="withEffect">
-                                  <p:stCondLst>
-                                    <p:cond delay="0"/>
-                                  </p:stCondLst>
-                                  <p:childTnLst>
-                                    <p:set>
-                                      <p:cBhvr>
-                                        <p:cTn id="16" dur="1" fill="hold">
-                                          <p:stCondLst>
-                                            <p:cond delay="0"/>
-                                          </p:stCondLst>
-                                        </p:cTn>
-                                        <p:tgtEl>
-                                          <p:spTgt spid="4"/>
-                                        </p:tgtEl>
-                                        <p:attrNameLst>
-                                          <p:attrName>style.visibility</p:attrName>
-                                        </p:attrNameLst>
-                                      </p:cBhvr>
-                                      <p:to>
-                                        <p:strVal val="visible"/>
-                                      </p:to>
-                                    </p:set>
-                                  </p:childTnLst>
-                                </p:cTn>
-                              </p:par>
-                            </p:childTnLst>
-                          </p:cTn>
-                        </p:par>
-                      </p:childTnLst>
-                    </p:cTn>
-                  </p:par>
-                  <p:par>
-                    <p:cTn id="17" fill="hold">
-                      <p:stCondLst>
-                        <p:cond delay="indefinite"/>
-                      </p:stCondLst>
-                      <p:childTnLst>
-                        <p:par>
-                          <p:cTn id="18" fill="hold">
-                            <p:stCondLst>
-                              <p:cond delay="0"/>
-                            </p:stCondLst>
-                            <p:childTnLst>
-                              <p:par>
-                                <p:cTn id="19" presetID="1" presetClass="entr" presetSubtype="0" fill="hold" nodeType="clickEffect">
-                                  <p:stCondLst>
-                                    <p:cond delay="0"/>
-                                  </p:stCondLst>
-                                  <p:childTnLst>
-                                    <p:set>
-                                      <p:cBhvr>
-                                        <p:cTn id="20" dur="1" fill="hold">
-                                          <p:stCondLst>
-                                            <p:cond delay="0"/>
-                                          </p:stCondLst>
-                                        </p:cTn>
-                                        <p:tgtEl>
-                                          <p:spTgt spid="6"/>
-                                        </p:tgtEl>
-                                        <p:attrNameLst>
-                                          <p:attrName>style.visibility</p:attrName>
-                                        </p:attrNameLst>
-                                      </p:cBhvr>
-                                      <p:to>
-                                        <p:strVal val="visible"/>
-                                      </p:to>
-                                    </p:set>
-                                  </p:childTnLst>
-                                </p:cTn>
-                              </p:par>
-                            </p:childTnLst>
-                          </p:cTn>
-                        </p:par>
-                      </p:childTnLst>
-                    </p:cTn>
-                  </p:par>
-                  <p:par>
-                    <p:cTn id="21" fill="hold">
-                      <p:stCondLst>
-                        <p:cond delay="indefinite"/>
-                      </p:stCondLst>
-                      <p:childTnLst>
-                        <p:par>
-                          <p:cTn id="22" fill="hold">
-                            <p:stCondLst>
-                              <p:cond delay="0"/>
-                            </p:stCondLst>
-                            <p:childTnLst>
-                              <p:par>
-                                <p:cTn id="23" presetID="1" presetClass="entr" presetSubtype="0" fill="hold" nodeType="clickEffect">
-                                  <p:stCondLst>
-                                    <p:cond delay="0"/>
-                                  </p:stCondLst>
-                                  <p:childTnLst>
-                                    <p:set>
-                                      <p:cBhvr>
-                                        <p:cTn id="24" dur="1" fill="hold">
-                                          <p:stCondLst>
-                                            <p:cond delay="0"/>
-                                          </p:stCondLst>
-                                        </p:cTn>
-                                        <p:tgtEl>
-                                          <p:spTgt spid="24"/>
-                                        </p:tgtEl>
-                                        <p:attrNameLst>
-                                          <p:attrName>style.visibility</p:attrName>
-                                        </p:attrNameLst>
-                                      </p:cBhvr>
-                                      <p:to>
-                                        <p:strVal val="visible"/>
-                                      </p:to>
-                                    </p:set>
-                                  </p:childTnLst>
-                                </p:cTn>
-                              </p:par>
-                            </p:childTnLst>
-                          </p:cTn>
-                        </p:par>
-                      </p:childTnLst>
-                    </p:cTn>
-                  </p:par>
-                  <p:par>
-                    <p:cTn id="25" fill="hold">
-                      <p:stCondLst>
-                        <p:cond delay="indefinite"/>
-                      </p:stCondLst>
-                      <p:childTnLst>
-                        <p:par>
-                          <p:cTn id="26" fill="hold">
-                            <p:stCondLst>
-                              <p:cond delay="0"/>
-                            </p:stCondLst>
-                            <p:childTnLst>
-                              <p:par>
-                                <p:cTn id="27" presetID="1" presetClass="entr" presetSubtype="0" fill="hold" grpId="0" nodeType="clickEffect">
-                                  <p:stCondLst>
-                                    <p:cond delay="0"/>
-                                  </p:stCondLst>
-                                  <p:childTnLst>
-                                    <p:set>
-                                      <p:cBhvr>
-                                        <p:cTn id="28" dur="1" fill="hold">
-                                          <p:stCondLst>
-                                            <p:cond delay="0"/>
-                                          </p:stCondLst>
-                                        </p:cTn>
-                                        <p:tgtEl>
-                                          <p:spTgt spid="22"/>
-                                        </p:tgtEl>
-                                        <p:attrNameLst>
-                                          <p:attrName>style.visibility</p:attrName>
-                                        </p:attrNameLst>
-                                      </p:cBhvr>
-                                      <p:to>
-                                        <p:strVal val="visible"/>
-                                      </p:to>
-                                    </p:set>
-                                  </p:childTnLst>
-                                </p:cTn>
-                              </p:par>
-                            </p:childTnLst>
-                          </p:cTn>
-                        </p:par>
-                      </p:childTnLst>
-                    </p:cTn>
-                  </p:par>
-                </p:childTnLst>
-              </p:cTn>
-              <p:prevCondLst>
-                <p:cond evt="onPrev" delay="0">
-                  <p:tgtEl>
-                    <p:sldTgt/>
-                  </p:tgtEl>
-                </p:cond>
-              </p:prevCondLst>
-              <p:nextCondLst>
-                <p:cond evt="onNext" delay="0">
-                  <p:tgtEl>
-                    <p:sldTgt/>
-                  </p:tgtEl>
-                </p:cond>
-              </p:nextCondLst>
-            </p:seq>
-          </p:childTnLst>
-        </p:cTn>
-      </p:par>
-    </p:tnLst>
-    <p:bldLst>
-      <p:bldP spid="21" grpId="0"/>
-      <p:bldP spid="22" grpId="0"/>
-      <p:bldP spid="4" grpId="0"/>
     </p:bldLst>
   </p:timing>
 </p:sld>
